--- a/Examples/src/main/resources/com/aspose/slides/examples/ActiveXControls/LinkingVideoWithMediaPlayerActiveXControl/Output.pptx
+++ b/Examples/src/main/resources/com/aspose/slides/examples/ActiveXControls/LinkingVideoWithMediaPlayerActiveXControl/Output.pptx
@@ -6374,7 +6374,7 @@
 
 <file path=ppt/tags/tag1.xml><?xml version="1.0" encoding="utf-8"?>
 <p:tagLst xmlns:p="http://schemas.openxmlformats.org/presentationml/2006/main">
-  <p:tag name="AS_OS" val="Microsoft Windows NT 6.3"/>
+  <p:tag name="AS_OS" val="Mac OS X 10.11 unknown"/>
   <p:tag name="AS_RELEASE_DATE" val="2016.05.16"/>
   <p:tag name="AS_TITLE" val="Aspose.Slides for Java"/>
   <p:tag name="AS_VERSION" val="16.4.0.0"/>

--- a/Examples/src/main/resources/com/aspose/slides/examples/ActiveXControls/LinkingVideoWithMediaPlayerActiveXControl/Output.pptx
+++ b/Examples/src/main/resources/com/aspose/slides/examples/ActiveXControls/LinkingVideoWithMediaPlayerActiveXControl/Output.pptx
@@ -1,6 +1,6 @@
 
 <file path=ppt/presentation.xml><?xml version="1.0" encoding="utf-8"?>
-<!--Generated by Aspose.Slides for Java 16.4.0.0-->
+<!--Generated by Aspose.Slides for Java 20.3-->
 <p:presentation xmlns:r="http://schemas.openxmlformats.org/officeDocument/2006/relationships" xmlns:a="http://schemas.openxmlformats.org/drawingml/2006/main" xmlns:p="http://schemas.openxmlformats.org/presentationml/2006/main" saveSubsetFonts="1">
   <p:sldMasterIdLst>
     <p:sldMasterId id="2147483648" r:id="rId1"/>
@@ -16,10 +16,10 @@
   </p:custDataLst>
   <p:defaultTextStyle>
     <a:defPPr>
-      <a:defRPr lang="en-US" smtId="4294967295"/>
+      <a:defRPr lang="en-US"/>
     </a:defPPr>
     <a:lvl1pPr marL="0" algn="l" defTabSz="914400" rtl="0" eaLnBrk="1" latinLnBrk="0" hangingPunct="1">
-      <a:defRPr sz="1800" kern="1200" smtId="4294967295">
+      <a:defRPr sz="1800" kern="1200">
         <a:solidFill>
           <a:schemeClr val="tx1"/>
         </a:solidFill>
@@ -29,7 +29,7 @@
       </a:defRPr>
     </a:lvl1pPr>
     <a:lvl2pPr marL="457200" algn="l" defTabSz="914400" rtl="0" eaLnBrk="1" latinLnBrk="0" hangingPunct="1">
-      <a:defRPr sz="1800" kern="1200" smtId="4294967295">
+      <a:defRPr sz="1800" kern="1200">
         <a:solidFill>
           <a:schemeClr val="tx1"/>
         </a:solidFill>
@@ -39,7 +39,7 @@
       </a:defRPr>
     </a:lvl2pPr>
     <a:lvl3pPr marL="914400" algn="l" defTabSz="914400" rtl="0" eaLnBrk="1" latinLnBrk="0" hangingPunct="1">
-      <a:defRPr sz="1800" kern="1200" smtId="4294967295">
+      <a:defRPr sz="1800" kern="1200">
         <a:solidFill>
           <a:schemeClr val="tx1"/>
         </a:solidFill>
@@ -49,7 +49,7 @@
       </a:defRPr>
     </a:lvl3pPr>
     <a:lvl4pPr marL="1371600" algn="l" defTabSz="914400" rtl="0" eaLnBrk="1" latinLnBrk="0" hangingPunct="1">
-      <a:defRPr sz="1800" kern="1200" smtId="4294967295">
+      <a:defRPr sz="1800" kern="1200">
         <a:solidFill>
           <a:schemeClr val="tx1"/>
         </a:solidFill>
@@ -59,7 +59,7 @@
       </a:defRPr>
     </a:lvl4pPr>
     <a:lvl5pPr marL="1828800" algn="l" defTabSz="914400" rtl="0" eaLnBrk="1" latinLnBrk="0" hangingPunct="1">
-      <a:defRPr sz="1800" kern="1200" smtId="4294967295">
+      <a:defRPr sz="1800" kern="1200">
         <a:solidFill>
           <a:schemeClr val="tx1"/>
         </a:solidFill>
@@ -69,7 +69,7 @@
       </a:defRPr>
     </a:lvl5pPr>
     <a:lvl6pPr marL="2286000" algn="l" defTabSz="914400" rtl="0" eaLnBrk="1" latinLnBrk="0" hangingPunct="1">
-      <a:defRPr sz="1800" kern="1200" smtId="4294967295">
+      <a:defRPr sz="1800" kern="1200">
         <a:solidFill>
           <a:schemeClr val="tx1"/>
         </a:solidFill>
@@ -79,7 +79,7 @@
       </a:defRPr>
     </a:lvl6pPr>
     <a:lvl7pPr marL="2743200" algn="l" defTabSz="914400" rtl="0" eaLnBrk="1" latinLnBrk="0" hangingPunct="1">
-      <a:defRPr sz="1800" kern="1200" smtId="4294967295">
+      <a:defRPr sz="1800" kern="1200">
         <a:solidFill>
           <a:schemeClr val="tx1"/>
         </a:solidFill>
@@ -89,7 +89,7 @@
       </a:defRPr>
     </a:lvl7pPr>
     <a:lvl8pPr marL="3200400" algn="l" defTabSz="914400" rtl="0" eaLnBrk="1" latinLnBrk="0" hangingPunct="1">
-      <a:defRPr sz="1800" kern="1200" smtId="4294967295">
+      <a:defRPr sz="1800" kern="1200">
         <a:solidFill>
           <a:schemeClr val="tx1"/>
         </a:solidFill>
@@ -99,7 +99,7 @@
       </a:defRPr>
     </a:lvl8pPr>
     <a:lvl9pPr marL="3657600" algn="l" defTabSz="914400" rtl="0" eaLnBrk="1" latinLnBrk="0" hangingPunct="1">
-      <a:defRPr sz="1800" kern="1200" smtId="4294967295">
+      <a:defRPr sz="1800" kern="1200">
         <a:solidFill>
           <a:schemeClr val="tx1"/>
         </a:solidFill>
@@ -143,7 +143,7 @@
 </file>
 
 <file path=ppt/slideLayouts/slideLayout1.xml><?xml version="1.0" encoding="utf-8"?>
-<p:sldLayout xmlns:a="http://schemas.openxmlformats.org/drawingml/2006/main" xmlns:r="http://schemas.openxmlformats.org/officeDocument/2006/relationships" xmlns:p14="http://schemas.microsoft.com/office/powerpoint/2010/main" xmlns:p15="http://schemas.microsoft.com/office/powerpoint/2012/main" xmlns:p="http://schemas.openxmlformats.org/presentationml/2006/main" type="title" preserve="1">
+<p:sldLayout xmlns:a="http://schemas.openxmlformats.org/drawingml/2006/main" xmlns:r="http://schemas.openxmlformats.org/officeDocument/2006/relationships" xmlns:m="http://schemas.openxmlformats.org/officeDocument/2006/math" xmlns:w="http://schemas.openxmlformats.org/wordprocessingml/2006/main" xmlns:wp="http://schemas.openxmlformats.org/drawingml/2006/wordprocessingDrawing" xmlns:a14="http://schemas.microsoft.com/office/drawing/2010/main" xmlns:p14="http://schemas.microsoft.com/office/powerpoint/2010/main" xmlns:p15="http://schemas.microsoft.com/office/powerpoint/2012/main" xmlns:p159="http://schemas.microsoft.com/office/powerpoint/2015/09/main" xmlns:p="http://schemas.openxmlformats.org/presentationml/2006/main" type="title" preserve="1">
   <p:cSld name="Title Slide">
     <p:spTree>
       <p:nvGrpSpPr>
@@ -173,10 +173,10 @@
           <a:lstStyle/>
           <a:p>
             <a:r>
-              <a:rPr lang="en-US" smtClean="0" smtId="4294967295"/>
+              <a:rPr lang="en-US" smtClean="0"/>
               <a:t>Click to edit Master title style</a:t>
             </a:r>
-            <a:endParaRPr lang="en-US" smtId="4294967295"/>
+            <a:endParaRPr lang="en-US"/>
           </a:p>
         </p:txBody>
       </p:sp>
@@ -196,7 +196,7 @@
           <a:lstStyle>
             <a:lvl1pPr marL="0" indent="0" algn="ctr">
               <a:buNone/>
-              <a:defRPr smtId="4294967295">
+              <a:defRPr>
                 <a:solidFill>
                   <a:schemeClr val="tx1">
                     <a:tint val="75000"/>
@@ -206,7 +206,7 @@
             </a:lvl1pPr>
             <a:lvl2pPr marL="457200" indent="0" algn="ctr">
               <a:buNone/>
-              <a:defRPr smtId="4294967295">
+              <a:defRPr>
                 <a:solidFill>
                   <a:schemeClr val="tx1">
                     <a:tint val="75000"/>
@@ -216,7 +216,7 @@
             </a:lvl2pPr>
             <a:lvl3pPr marL="914400" indent="0" algn="ctr">
               <a:buNone/>
-              <a:defRPr smtId="4294967295">
+              <a:defRPr>
                 <a:solidFill>
                   <a:schemeClr val="tx1">
                     <a:tint val="75000"/>
@@ -226,7 +226,7 @@
             </a:lvl3pPr>
             <a:lvl4pPr marL="1371600" indent="0" algn="ctr">
               <a:buNone/>
-              <a:defRPr smtId="4294967295">
+              <a:defRPr>
                 <a:solidFill>
                   <a:schemeClr val="tx1">
                     <a:tint val="75000"/>
@@ -236,7 +236,7 @@
             </a:lvl4pPr>
             <a:lvl5pPr marL="1828800" indent="0" algn="ctr">
               <a:buNone/>
-              <a:defRPr smtId="4294967295">
+              <a:defRPr>
                 <a:solidFill>
                   <a:schemeClr val="tx1">
                     <a:tint val="75000"/>
@@ -246,7 +246,7 @@
             </a:lvl5pPr>
             <a:lvl6pPr marL="2286000" indent="0" algn="ctr">
               <a:buNone/>
-              <a:defRPr smtId="4294967295">
+              <a:defRPr>
                 <a:solidFill>
                   <a:schemeClr val="tx1">
                     <a:tint val="75000"/>
@@ -256,7 +256,7 @@
             </a:lvl6pPr>
             <a:lvl7pPr marL="2743200" indent="0" algn="ctr">
               <a:buNone/>
-              <a:defRPr smtId="4294967295">
+              <a:defRPr>
                 <a:solidFill>
                   <a:schemeClr val="tx1">
                     <a:tint val="75000"/>
@@ -266,7 +266,7 @@
             </a:lvl7pPr>
             <a:lvl8pPr marL="3200400" indent="0" algn="ctr">
               <a:buNone/>
-              <a:defRPr smtId="4294967295">
+              <a:defRPr>
                 <a:solidFill>
                   <a:schemeClr val="tx1">
                     <a:tint val="75000"/>
@@ -276,7 +276,7 @@
             </a:lvl8pPr>
             <a:lvl9pPr marL="3657600" indent="0" algn="ctr">
               <a:buNone/>
-              <a:defRPr smtId="4294967295">
+              <a:defRPr>
                 <a:solidFill>
                   <a:schemeClr val="tx1">
                     <a:tint val="75000"/>
@@ -287,10 +287,10 @@
           </a:lstStyle>
           <a:p>
             <a:r>
-              <a:rPr lang="en-US" smtClean="0" smtId="4294967295"/>
+              <a:rPr lang="en-US" smtClean="0"/>
               <a:t>Click to edit Master subtitle style</a:t>
             </a:r>
-            <a:endParaRPr lang="en-US" smtId="4294967295"/>
+            <a:endParaRPr lang="en-US"/>
           </a:p>
         </p:txBody>
       </p:sp>
@@ -309,11 +309,11 @@
           <a:bodyPr/>
           <a:lstStyle/>
           <a:p>
-            <a:fld id="{E8FD0B7A-F5DD-4F40-B4CB-3B2C354B893A}" type="datetimeFigureOut">
-              <a:rPr lang="en-US" smtClean="0" smtId="4294967295"/>
-              <a:t>Date</a:t>
+            <a:fld id="{FF39B3AD-C25C-4018-A954-6F02D71A72CC}" type="datetimeFigureOut">
+              <a:rPr lang="en-US" smtClean="0"/>
+              <a:t>11/7/2009</a:t>
             </a:fld>
-            <a:endParaRPr lang="en-US" smtId="4294967295"/>
+            <a:endParaRPr lang="en-US"/>
           </a:p>
         </p:txBody>
       </p:sp>
@@ -332,7 +332,7 @@
           <a:bodyPr/>
           <a:lstStyle/>
           <a:p>
-            <a:endParaRPr lang="en-US" smtId="4294967295"/>
+            <a:endParaRPr lang="en-US"/>
           </a:p>
         </p:txBody>
       </p:sp>
@@ -352,10 +352,10 @@
           <a:lstStyle/>
           <a:p>
             <a:fld id="{93AE1883-0942-4AA3-9DB2-9C7C3A0314B1}" type="slidenum">
-              <a:rPr lang="en-US" smtClean="0" smtId="4294967295"/>
+              <a:rPr lang="en-US" smtClean="0"/>
               <a:t>‹#›</a:t>
             </a:fld>
-            <a:endParaRPr lang="en-US" smtId="4294967295"/>
+            <a:endParaRPr lang="en-US"/>
           </a:p>
         </p:txBody>
       </p:sp>
@@ -370,7 +370,7 @@
 </file>
 
 <file path=ppt/slideLayouts/slideLayout10.xml><?xml version="1.0" encoding="utf-8"?>
-<p:sldLayout xmlns:a="http://schemas.openxmlformats.org/drawingml/2006/main" xmlns:r="http://schemas.openxmlformats.org/officeDocument/2006/relationships" xmlns:p14="http://schemas.microsoft.com/office/powerpoint/2010/main" xmlns:p15="http://schemas.microsoft.com/office/powerpoint/2012/main" xmlns:p="http://schemas.openxmlformats.org/presentationml/2006/main" type="vertTx" preserve="1">
+<p:sldLayout xmlns:a="http://schemas.openxmlformats.org/drawingml/2006/main" xmlns:r="http://schemas.openxmlformats.org/officeDocument/2006/relationships" xmlns:m="http://schemas.openxmlformats.org/officeDocument/2006/math" xmlns:w="http://schemas.openxmlformats.org/wordprocessingml/2006/main" xmlns:wp="http://schemas.openxmlformats.org/drawingml/2006/wordprocessingDrawing" xmlns:a14="http://schemas.microsoft.com/office/drawing/2010/main" xmlns:p14="http://schemas.microsoft.com/office/powerpoint/2010/main" xmlns:p15="http://schemas.microsoft.com/office/powerpoint/2012/main" xmlns:p159="http://schemas.microsoft.com/office/powerpoint/2015/09/main" xmlns:p="http://schemas.openxmlformats.org/presentationml/2006/main" type="vertTx" preserve="1">
   <p:cSld name="Title and Vertical Text">
     <p:spTree>
       <p:nvGrpSpPr>
@@ -400,10 +400,10 @@
           <a:lstStyle/>
           <a:p>
             <a:r>
-              <a:rPr lang="en-US" smtClean="0" smtId="4294967295"/>
+              <a:rPr lang="en-US" smtClean="0"/>
               <a:t>Click to edit Master title style</a:t>
             </a:r>
-            <a:endParaRPr lang="en-US" smtId="4294967295"/>
+            <a:endParaRPr lang="en-US"/>
           </a:p>
         </p:txBody>
       </p:sp>
@@ -423,38 +423,38 @@
           <a:lstStyle/>
           <a:p>
             <a:r>
-              <a:rPr lang="en-US" smtClean="0" smtId="4294967295"/>
+              <a:rPr lang="en-US" smtClean="0"/>
               <a:t>Click to edit Master text styles</a:t>
             </a:r>
           </a:p>
           <a:p>
             <a:pPr lvl="1"/>
             <a:r>
-              <a:rPr lang="en-US" smtClean="0" smtId="4294967295"/>
+              <a:rPr lang="en-US" smtClean="0"/>
               <a:t>Second level</a:t>
             </a:r>
           </a:p>
           <a:p>
             <a:pPr lvl="2"/>
             <a:r>
-              <a:rPr lang="en-US" smtClean="0" smtId="4294967295"/>
+              <a:rPr lang="en-US" smtClean="0"/>
               <a:t>Third level</a:t>
             </a:r>
           </a:p>
           <a:p>
             <a:pPr lvl="3"/>
             <a:r>
-              <a:rPr lang="en-US" smtClean="0" smtId="4294967295"/>
+              <a:rPr lang="en-US" smtClean="0"/>
               <a:t>Fourth level</a:t>
             </a:r>
           </a:p>
           <a:p>
             <a:pPr lvl="4"/>
             <a:r>
-              <a:rPr lang="en-US" smtClean="0" smtId="4294967295"/>
+              <a:rPr lang="en-US" smtClean="0"/>
               <a:t>Fifth level</a:t>
             </a:r>
-            <a:endParaRPr lang="en-US" smtId="4294967295"/>
+            <a:endParaRPr lang="en-US"/>
           </a:p>
         </p:txBody>
       </p:sp>
@@ -473,11 +473,11 @@
           <a:bodyPr/>
           <a:lstStyle/>
           <a:p>
-            <a:fld id="{E8FD0B7A-F5DD-4F40-B4CB-3B2C354B893A}" type="datetimeFigureOut">
-              <a:rPr lang="en-US" smtClean="0" smtId="4294967295"/>
-              <a:t>Date</a:t>
+            <a:fld id="{24087CFE-727D-4CD1-9820-D46F1CA88BCB}" type="datetimeFigureOut">
+              <a:rPr lang="en-US" smtClean="0"/>
+              <a:t>11/7/2009</a:t>
             </a:fld>
-            <a:endParaRPr lang="en-US" smtId="4294967295"/>
+            <a:endParaRPr lang="en-US"/>
           </a:p>
         </p:txBody>
       </p:sp>
@@ -496,7 +496,7 @@
           <a:bodyPr/>
           <a:lstStyle/>
           <a:p>
-            <a:endParaRPr lang="en-US" smtId="4294967295"/>
+            <a:endParaRPr lang="en-US"/>
           </a:p>
         </p:txBody>
       </p:sp>
@@ -516,10 +516,10 @@
           <a:lstStyle/>
           <a:p>
             <a:fld id="{93AE1883-0942-4AA3-9DB2-9C7C3A0314B1}" type="slidenum">
-              <a:rPr lang="en-US" smtClean="0" smtId="4294967295"/>
+              <a:rPr lang="en-US" smtClean="0"/>
               <a:t>‹#›</a:t>
             </a:fld>
-            <a:endParaRPr lang="en-US" smtId="4294967295"/>
+            <a:endParaRPr lang="en-US"/>
           </a:p>
         </p:txBody>
       </p:sp>
@@ -534,7 +534,7 @@
 </file>
 
 <file path=ppt/slideLayouts/slideLayout11.xml><?xml version="1.0" encoding="utf-8"?>
-<p:sldLayout xmlns:a="http://schemas.openxmlformats.org/drawingml/2006/main" xmlns:r="http://schemas.openxmlformats.org/officeDocument/2006/relationships" xmlns:p14="http://schemas.microsoft.com/office/powerpoint/2010/main" xmlns:p15="http://schemas.microsoft.com/office/powerpoint/2012/main" xmlns:p="http://schemas.openxmlformats.org/presentationml/2006/main" type="vertTitleAndTx" preserve="1">
+<p:sldLayout xmlns:a="http://schemas.openxmlformats.org/drawingml/2006/main" xmlns:r="http://schemas.openxmlformats.org/officeDocument/2006/relationships" xmlns:m="http://schemas.openxmlformats.org/officeDocument/2006/math" xmlns:w="http://schemas.openxmlformats.org/wordprocessingml/2006/main" xmlns:wp="http://schemas.openxmlformats.org/drawingml/2006/wordprocessingDrawing" xmlns:a14="http://schemas.microsoft.com/office/drawing/2010/main" xmlns:p14="http://schemas.microsoft.com/office/powerpoint/2010/main" xmlns:p15="http://schemas.microsoft.com/office/powerpoint/2012/main" xmlns:p159="http://schemas.microsoft.com/office/powerpoint/2015/09/main" xmlns:p="http://schemas.openxmlformats.org/presentationml/2006/main" type="vertTitleAndTx" preserve="1">
   <p:cSld name="Vertical Title and Text">
     <p:spTree>
       <p:nvGrpSpPr>
@@ -564,10 +564,10 @@
           <a:lstStyle/>
           <a:p>
             <a:r>
-              <a:rPr lang="en-US" smtClean="0" smtId="4294967295"/>
+              <a:rPr lang="en-US" smtClean="0"/>
               <a:t>Click to edit Master title style</a:t>
             </a:r>
-            <a:endParaRPr lang="en-US" smtId="4294967295"/>
+            <a:endParaRPr lang="en-US"/>
           </a:p>
         </p:txBody>
       </p:sp>
@@ -587,38 +587,38 @@
           <a:lstStyle/>
           <a:p>
             <a:r>
-              <a:rPr lang="en-US" smtClean="0" smtId="4294967295"/>
+              <a:rPr lang="en-US" smtClean="0"/>
               <a:t>Click to edit Master text styles</a:t>
             </a:r>
           </a:p>
           <a:p>
             <a:pPr lvl="1"/>
             <a:r>
-              <a:rPr lang="en-US" smtClean="0" smtId="4294967295"/>
+              <a:rPr lang="en-US" smtClean="0"/>
               <a:t>Second level</a:t>
             </a:r>
           </a:p>
           <a:p>
             <a:pPr lvl="2"/>
             <a:r>
-              <a:rPr lang="en-US" smtClean="0" smtId="4294967295"/>
+              <a:rPr lang="en-US" smtClean="0"/>
               <a:t>Third level</a:t>
             </a:r>
           </a:p>
           <a:p>
             <a:pPr lvl="3"/>
             <a:r>
-              <a:rPr lang="en-US" smtClean="0" smtId="4294967295"/>
+              <a:rPr lang="en-US" smtClean="0"/>
               <a:t>Fourth level</a:t>
             </a:r>
           </a:p>
           <a:p>
             <a:pPr lvl="4"/>
             <a:r>
-              <a:rPr lang="en-US" smtClean="0" smtId="4294967295"/>
+              <a:rPr lang="en-US" smtClean="0"/>
               <a:t>Fifth level</a:t>
             </a:r>
-            <a:endParaRPr lang="en-US" smtId="4294967295"/>
+            <a:endParaRPr lang="en-US"/>
           </a:p>
         </p:txBody>
       </p:sp>
@@ -637,11 +637,11 @@
           <a:bodyPr/>
           <a:lstStyle/>
           <a:p>
-            <a:fld id="{E8FD0B7A-F5DD-4F40-B4CB-3B2C354B893A}" type="datetimeFigureOut">
-              <a:rPr lang="en-US" smtClean="0" smtId="4294967295"/>
-              <a:t>Date</a:t>
+            <a:fld id="{EB0B9D8F-E430-4BE3-8D0B-DC84FA31AA01}" type="datetimeFigureOut">
+              <a:rPr lang="en-US" smtClean="0"/>
+              <a:t>11/7/2009</a:t>
             </a:fld>
-            <a:endParaRPr lang="en-US" smtId="4294967295"/>
+            <a:endParaRPr lang="en-US"/>
           </a:p>
         </p:txBody>
       </p:sp>
@@ -660,7 +660,7 @@
           <a:bodyPr/>
           <a:lstStyle/>
           <a:p>
-            <a:endParaRPr lang="en-US" smtId="4294967295"/>
+            <a:endParaRPr lang="en-US"/>
           </a:p>
         </p:txBody>
       </p:sp>
@@ -680,10 +680,10 @@
           <a:lstStyle/>
           <a:p>
             <a:fld id="{93AE1883-0942-4AA3-9DB2-9C7C3A0314B1}" type="slidenum">
-              <a:rPr lang="en-US" smtClean="0" smtId="4294967295"/>
+              <a:rPr lang="en-US" smtClean="0"/>
               <a:t>‹#›</a:t>
             </a:fld>
-            <a:endParaRPr lang="en-US" smtId="4294967295"/>
+            <a:endParaRPr lang="en-US"/>
           </a:p>
         </p:txBody>
       </p:sp>
@@ -698,7 +698,7 @@
 </file>
 
 <file path=ppt/slideLayouts/slideLayout12.xml><?xml version="1.0" encoding="utf-8"?>
-<p:sldLayout xmlns:a="http://schemas.openxmlformats.org/drawingml/2006/main" xmlns:r="http://schemas.openxmlformats.org/officeDocument/2006/relationships" xmlns:p14="http://schemas.microsoft.com/office/powerpoint/2010/main" xmlns:p15="http://schemas.microsoft.com/office/powerpoint/2012/main" xmlns:p="http://schemas.openxmlformats.org/presentationml/2006/main" type="title" preserve="1">
+<p:sldLayout xmlns:a="http://schemas.openxmlformats.org/drawingml/2006/main" xmlns:r="http://schemas.openxmlformats.org/officeDocument/2006/relationships" xmlns:m="http://schemas.openxmlformats.org/officeDocument/2006/math" xmlns:w="http://schemas.openxmlformats.org/wordprocessingml/2006/main" xmlns:wp="http://schemas.openxmlformats.org/drawingml/2006/wordprocessingDrawing" xmlns:a14="http://schemas.microsoft.com/office/drawing/2010/main" xmlns:p14="http://schemas.microsoft.com/office/powerpoint/2010/main" xmlns:p15="http://schemas.microsoft.com/office/powerpoint/2012/main" xmlns:p159="http://schemas.microsoft.com/office/powerpoint/2015/09/main" xmlns:p="http://schemas.openxmlformats.org/presentationml/2006/main" type="title" preserve="1">
   <p:cSld name="Title Slide">
     <p:spTree>
       <p:nvGrpSpPr>
@@ -935,7 +935,7 @@
 </file>
 
 <file path=ppt/slideLayouts/slideLayout13.xml><?xml version="1.0" encoding="utf-8"?>
-<p:sldLayout xmlns:a="http://schemas.openxmlformats.org/drawingml/2006/main" xmlns:r="http://schemas.openxmlformats.org/officeDocument/2006/relationships" xmlns:p14="http://schemas.microsoft.com/office/powerpoint/2010/main" xmlns:p15="http://schemas.microsoft.com/office/powerpoint/2012/main" xmlns:p="http://schemas.openxmlformats.org/presentationml/2006/main" type="obj" preserve="1">
+<p:sldLayout xmlns:a="http://schemas.openxmlformats.org/drawingml/2006/main" xmlns:r="http://schemas.openxmlformats.org/officeDocument/2006/relationships" xmlns:m="http://schemas.openxmlformats.org/officeDocument/2006/math" xmlns:w="http://schemas.openxmlformats.org/wordprocessingml/2006/main" xmlns:wp="http://schemas.openxmlformats.org/drawingml/2006/wordprocessingDrawing" xmlns:a14="http://schemas.microsoft.com/office/drawing/2010/main" xmlns:p14="http://schemas.microsoft.com/office/powerpoint/2010/main" xmlns:p15="http://schemas.microsoft.com/office/powerpoint/2012/main" xmlns:p159="http://schemas.microsoft.com/office/powerpoint/2015/09/main" xmlns:p="http://schemas.openxmlformats.org/presentationml/2006/main" type="obj" preserve="1">
   <p:cSld name="Title and Content">
     <p:spTree>
       <p:nvGrpSpPr>
@@ -1100,7 +1100,7 @@
 </file>
 
 <file path=ppt/slideLayouts/slideLayout14.xml><?xml version="1.0" encoding="utf-8"?>
-<p:sldLayout xmlns:a="http://schemas.openxmlformats.org/drawingml/2006/main" xmlns:r="http://schemas.openxmlformats.org/officeDocument/2006/relationships" xmlns:p14="http://schemas.microsoft.com/office/powerpoint/2010/main" xmlns:p15="http://schemas.microsoft.com/office/powerpoint/2012/main" xmlns:p="http://schemas.openxmlformats.org/presentationml/2006/main" type="secHead" preserve="1">
+<p:sldLayout xmlns:a="http://schemas.openxmlformats.org/drawingml/2006/main" xmlns:r="http://schemas.openxmlformats.org/officeDocument/2006/relationships" xmlns:m="http://schemas.openxmlformats.org/officeDocument/2006/math" xmlns:w="http://schemas.openxmlformats.org/wordprocessingml/2006/main" xmlns:wp="http://schemas.openxmlformats.org/drawingml/2006/wordprocessingDrawing" xmlns:a14="http://schemas.microsoft.com/office/drawing/2010/main" xmlns:p14="http://schemas.microsoft.com/office/powerpoint/2010/main" xmlns:p15="http://schemas.microsoft.com/office/powerpoint/2012/main" xmlns:p159="http://schemas.microsoft.com/office/powerpoint/2015/09/main" xmlns:p="http://schemas.openxmlformats.org/presentationml/2006/main" type="secHead" preserve="1">
   <p:cSld name="Section Header">
     <p:spTree>
       <p:nvGrpSpPr>
@@ -1341,7 +1341,7 @@
 </file>
 
 <file path=ppt/slideLayouts/slideLayout15.xml><?xml version="1.0" encoding="utf-8"?>
-<p:sldLayout xmlns:a="http://schemas.openxmlformats.org/drawingml/2006/main" xmlns:r="http://schemas.openxmlformats.org/officeDocument/2006/relationships" xmlns:p14="http://schemas.microsoft.com/office/powerpoint/2010/main" xmlns:p15="http://schemas.microsoft.com/office/powerpoint/2012/main" xmlns:p="http://schemas.openxmlformats.org/presentationml/2006/main" type="twoObj" preserve="1">
+<p:sldLayout xmlns:a="http://schemas.openxmlformats.org/drawingml/2006/main" xmlns:r="http://schemas.openxmlformats.org/officeDocument/2006/relationships" xmlns:m="http://schemas.openxmlformats.org/officeDocument/2006/math" xmlns:w="http://schemas.openxmlformats.org/wordprocessingml/2006/main" xmlns:wp="http://schemas.openxmlformats.org/drawingml/2006/wordprocessingDrawing" xmlns:a14="http://schemas.microsoft.com/office/drawing/2010/main" xmlns:p14="http://schemas.microsoft.com/office/powerpoint/2010/main" xmlns:p15="http://schemas.microsoft.com/office/powerpoint/2012/main" xmlns:p159="http://schemas.microsoft.com/office/powerpoint/2015/09/main" xmlns:p="http://schemas.openxmlformats.org/presentationml/2006/main" type="twoObj" preserve="1">
   <p:cSld name="Two Content">
     <p:spTree>
       <p:nvGrpSpPr>
@@ -1624,7 +1624,7 @@
 </file>
 
 <file path=ppt/slideLayouts/slideLayout16.xml><?xml version="1.0" encoding="utf-8"?>
-<p:sldLayout xmlns:a="http://schemas.openxmlformats.org/drawingml/2006/main" xmlns:r="http://schemas.openxmlformats.org/officeDocument/2006/relationships" xmlns:p14="http://schemas.microsoft.com/office/powerpoint/2010/main" xmlns:p15="http://schemas.microsoft.com/office/powerpoint/2012/main" xmlns:p="http://schemas.openxmlformats.org/presentationml/2006/main" type="twoTxTwoObj" preserve="1">
+<p:sldLayout xmlns:a="http://schemas.openxmlformats.org/drawingml/2006/main" xmlns:r="http://schemas.openxmlformats.org/officeDocument/2006/relationships" xmlns:m="http://schemas.openxmlformats.org/officeDocument/2006/math" xmlns:w="http://schemas.openxmlformats.org/wordprocessingml/2006/main" xmlns:wp="http://schemas.openxmlformats.org/drawingml/2006/wordprocessingDrawing" xmlns:a14="http://schemas.microsoft.com/office/drawing/2010/main" xmlns:p14="http://schemas.microsoft.com/office/powerpoint/2010/main" xmlns:p15="http://schemas.microsoft.com/office/powerpoint/2012/main" xmlns:p159="http://schemas.microsoft.com/office/powerpoint/2015/09/main" xmlns:p="http://schemas.openxmlformats.org/presentationml/2006/main" type="twoTxTwoObj" preserve="1">
   <p:cSld name="Comparison">
     <p:spTree>
       <p:nvGrpSpPr>
@@ -2041,7 +2041,7 @@
 </file>
 
 <file path=ppt/slideLayouts/slideLayout17.xml><?xml version="1.0" encoding="utf-8"?>
-<p:sldLayout xmlns:a="http://schemas.openxmlformats.org/drawingml/2006/main" xmlns:r="http://schemas.openxmlformats.org/officeDocument/2006/relationships" xmlns:p14="http://schemas.microsoft.com/office/powerpoint/2010/main" xmlns:p15="http://schemas.microsoft.com/office/powerpoint/2012/main" xmlns:p="http://schemas.openxmlformats.org/presentationml/2006/main" type="titleOnly" preserve="1">
+<p:sldLayout xmlns:a="http://schemas.openxmlformats.org/drawingml/2006/main" xmlns:r="http://schemas.openxmlformats.org/officeDocument/2006/relationships" xmlns:m="http://schemas.openxmlformats.org/officeDocument/2006/math" xmlns:w="http://schemas.openxmlformats.org/wordprocessingml/2006/main" xmlns:wp="http://schemas.openxmlformats.org/drawingml/2006/wordprocessingDrawing" xmlns:a14="http://schemas.microsoft.com/office/drawing/2010/main" xmlns:p14="http://schemas.microsoft.com/office/powerpoint/2010/main" xmlns:p15="http://schemas.microsoft.com/office/powerpoint/2012/main" xmlns:p159="http://schemas.microsoft.com/office/powerpoint/2015/09/main" xmlns:p="http://schemas.openxmlformats.org/presentationml/2006/main" type="titleOnly" preserve="1">
   <p:cSld name="Title Only">
     <p:spTree>
       <p:nvGrpSpPr>
@@ -2154,7 +2154,7 @@
 </file>
 
 <file path=ppt/slideLayouts/slideLayout18.xml><?xml version="1.0" encoding="utf-8"?>
-<p:sldLayout xmlns:a="http://schemas.openxmlformats.org/drawingml/2006/main" xmlns:r="http://schemas.openxmlformats.org/officeDocument/2006/relationships" xmlns:p14="http://schemas.microsoft.com/office/powerpoint/2010/main" xmlns:p15="http://schemas.microsoft.com/office/powerpoint/2012/main" xmlns:p="http://schemas.openxmlformats.org/presentationml/2006/main" type="blank" preserve="1">
+<p:sldLayout xmlns:a="http://schemas.openxmlformats.org/drawingml/2006/main" xmlns:r="http://schemas.openxmlformats.org/officeDocument/2006/relationships" xmlns:m="http://schemas.openxmlformats.org/officeDocument/2006/math" xmlns:w="http://schemas.openxmlformats.org/wordprocessingml/2006/main" xmlns:wp="http://schemas.openxmlformats.org/drawingml/2006/wordprocessingDrawing" xmlns:a14="http://schemas.microsoft.com/office/drawing/2010/main" xmlns:p14="http://schemas.microsoft.com/office/powerpoint/2010/main" xmlns:p15="http://schemas.microsoft.com/office/powerpoint/2012/main" xmlns:p159="http://schemas.microsoft.com/office/powerpoint/2015/09/main" xmlns:p="http://schemas.openxmlformats.org/presentationml/2006/main" type="blank" preserve="1">
   <p:cSld name="Blank">
     <p:spTree>
       <p:nvGrpSpPr>
@@ -2244,7 +2244,7 @@
 </file>
 
 <file path=ppt/slideLayouts/slideLayout19.xml><?xml version="1.0" encoding="utf-8"?>
-<p:sldLayout xmlns:a="http://schemas.openxmlformats.org/drawingml/2006/main" xmlns:r="http://schemas.openxmlformats.org/officeDocument/2006/relationships" xmlns:p14="http://schemas.microsoft.com/office/powerpoint/2010/main" xmlns:p15="http://schemas.microsoft.com/office/powerpoint/2012/main" xmlns:p="http://schemas.openxmlformats.org/presentationml/2006/main" type="objTx" preserve="1">
+<p:sldLayout xmlns:a="http://schemas.openxmlformats.org/drawingml/2006/main" xmlns:r="http://schemas.openxmlformats.org/officeDocument/2006/relationships" xmlns:m="http://schemas.openxmlformats.org/officeDocument/2006/math" xmlns:w="http://schemas.openxmlformats.org/wordprocessingml/2006/main" xmlns:wp="http://schemas.openxmlformats.org/drawingml/2006/wordprocessingDrawing" xmlns:a14="http://schemas.microsoft.com/office/drawing/2010/main" xmlns:p14="http://schemas.microsoft.com/office/powerpoint/2010/main" xmlns:p15="http://schemas.microsoft.com/office/powerpoint/2012/main" xmlns:p159="http://schemas.microsoft.com/office/powerpoint/2015/09/main" xmlns:p="http://schemas.openxmlformats.org/presentationml/2006/main" type="objTx" preserve="1">
   <p:cSld name="Content with Caption">
     <p:spTree>
       <p:nvGrpSpPr>
@@ -2516,7 +2516,7 @@
 </file>
 
 <file path=ppt/slideLayouts/slideLayout2.xml><?xml version="1.0" encoding="utf-8"?>
-<p:sldLayout xmlns:a="http://schemas.openxmlformats.org/drawingml/2006/main" xmlns:r="http://schemas.openxmlformats.org/officeDocument/2006/relationships" xmlns:p14="http://schemas.microsoft.com/office/powerpoint/2010/main" xmlns:p15="http://schemas.microsoft.com/office/powerpoint/2012/main" xmlns:p="http://schemas.openxmlformats.org/presentationml/2006/main" type="obj" preserve="1">
+<p:sldLayout xmlns:a="http://schemas.openxmlformats.org/drawingml/2006/main" xmlns:r="http://schemas.openxmlformats.org/officeDocument/2006/relationships" xmlns:m="http://schemas.openxmlformats.org/officeDocument/2006/math" xmlns:w="http://schemas.openxmlformats.org/wordprocessingml/2006/main" xmlns:wp="http://schemas.openxmlformats.org/drawingml/2006/wordprocessingDrawing" xmlns:a14="http://schemas.microsoft.com/office/drawing/2010/main" xmlns:p14="http://schemas.microsoft.com/office/powerpoint/2010/main" xmlns:p15="http://schemas.microsoft.com/office/powerpoint/2012/main" xmlns:p159="http://schemas.microsoft.com/office/powerpoint/2015/09/main" xmlns:p="http://schemas.openxmlformats.org/presentationml/2006/main" type="obj" preserve="1">
   <p:cSld name="Title and Content">
     <p:spTree>
       <p:nvGrpSpPr>
@@ -2546,10 +2546,10 @@
           <a:lstStyle/>
           <a:p>
             <a:r>
-              <a:rPr lang="en-US" smtClean="0" smtId="4294967295"/>
+              <a:rPr lang="en-US" smtClean="0"/>
               <a:t>Click to edit Master title style</a:t>
             </a:r>
-            <a:endParaRPr lang="en-US" smtId="4294967295"/>
+            <a:endParaRPr lang="en-US"/>
           </a:p>
         </p:txBody>
       </p:sp>
@@ -2569,38 +2569,38 @@
           <a:lstStyle/>
           <a:p>
             <a:r>
-              <a:rPr lang="en-US" smtClean="0" smtId="4294967295"/>
+              <a:rPr lang="en-US" smtClean="0"/>
               <a:t>Click to edit Master text styles</a:t>
             </a:r>
           </a:p>
           <a:p>
             <a:pPr lvl="1"/>
             <a:r>
-              <a:rPr lang="en-US" smtClean="0" smtId="4294967295"/>
+              <a:rPr lang="en-US" smtClean="0"/>
               <a:t>Second level</a:t>
             </a:r>
           </a:p>
           <a:p>
             <a:pPr lvl="2"/>
             <a:r>
-              <a:rPr lang="en-US" smtClean="0" smtId="4294967295"/>
+              <a:rPr lang="en-US" smtClean="0"/>
               <a:t>Third level</a:t>
             </a:r>
           </a:p>
           <a:p>
             <a:pPr lvl="3"/>
             <a:r>
-              <a:rPr lang="en-US" smtClean="0" smtId="4294967295"/>
+              <a:rPr lang="en-US" smtClean="0"/>
               <a:t>Fourth level</a:t>
             </a:r>
           </a:p>
           <a:p>
             <a:pPr lvl="4"/>
             <a:r>
-              <a:rPr lang="en-US" smtClean="0" smtId="4294967295"/>
+              <a:rPr lang="en-US" smtClean="0"/>
               <a:t>Fifth level</a:t>
             </a:r>
-            <a:endParaRPr lang="en-US" smtId="4294967295"/>
+            <a:endParaRPr lang="en-US"/>
           </a:p>
         </p:txBody>
       </p:sp>
@@ -2619,11 +2619,11 @@
           <a:bodyPr/>
           <a:lstStyle/>
           <a:p>
-            <a:fld id="{E8FD0B7A-F5DD-4F40-B4CB-3B2C354B893A}" type="datetimeFigureOut">
-              <a:rPr lang="en-US" smtClean="0" smtId="4294967295"/>
-              <a:t>Date</a:t>
+            <a:fld id="{816DE288-F016-44C6-852E-6A1AEC88082D}" type="datetimeFigureOut">
+              <a:rPr lang="en-US" smtClean="0"/>
+              <a:t>11/7/2009</a:t>
             </a:fld>
-            <a:endParaRPr lang="en-US" smtId="4294967295"/>
+            <a:endParaRPr lang="en-US"/>
           </a:p>
         </p:txBody>
       </p:sp>
@@ -2642,7 +2642,7 @@
           <a:bodyPr/>
           <a:lstStyle/>
           <a:p>
-            <a:endParaRPr lang="en-US" smtId="4294967295"/>
+            <a:endParaRPr lang="en-US"/>
           </a:p>
         </p:txBody>
       </p:sp>
@@ -2662,10 +2662,10 @@
           <a:lstStyle/>
           <a:p>
             <a:fld id="{93AE1883-0942-4AA3-9DB2-9C7C3A0314B1}" type="slidenum">
-              <a:rPr lang="en-US" smtClean="0" smtId="4294967295"/>
+              <a:rPr lang="en-US" smtClean="0"/>
               <a:t>‹#›</a:t>
             </a:fld>
-            <a:endParaRPr lang="en-US" smtId="4294967295"/>
+            <a:endParaRPr lang="en-US"/>
           </a:p>
         </p:txBody>
       </p:sp>
@@ -2680,7 +2680,7 @@
 </file>
 
 <file path=ppt/slideLayouts/slideLayout20.xml><?xml version="1.0" encoding="utf-8"?>
-<p:sldLayout xmlns:a="http://schemas.openxmlformats.org/drawingml/2006/main" xmlns:r="http://schemas.openxmlformats.org/officeDocument/2006/relationships" xmlns:p14="http://schemas.microsoft.com/office/powerpoint/2010/main" xmlns:p15="http://schemas.microsoft.com/office/powerpoint/2012/main" xmlns:p="http://schemas.openxmlformats.org/presentationml/2006/main" type="picTx" preserve="1">
+<p:sldLayout xmlns:a="http://schemas.openxmlformats.org/drawingml/2006/main" xmlns:r="http://schemas.openxmlformats.org/officeDocument/2006/relationships" xmlns:m="http://schemas.openxmlformats.org/officeDocument/2006/math" xmlns:w="http://schemas.openxmlformats.org/wordprocessingml/2006/main" xmlns:wp="http://schemas.openxmlformats.org/drawingml/2006/wordprocessingDrawing" xmlns:a14="http://schemas.microsoft.com/office/drawing/2010/main" xmlns:p14="http://schemas.microsoft.com/office/powerpoint/2010/main" xmlns:p15="http://schemas.microsoft.com/office/powerpoint/2012/main" xmlns:p159="http://schemas.microsoft.com/office/powerpoint/2015/09/main" xmlns:p="http://schemas.openxmlformats.org/presentationml/2006/main" type="picTx" preserve="1">
   <p:cSld name="Picture with Caption">
     <p:spTree>
       <p:nvGrpSpPr>
@@ -2928,7 +2928,7 @@
 </file>
 
 <file path=ppt/slideLayouts/slideLayout21.xml><?xml version="1.0" encoding="utf-8"?>
-<p:sldLayout xmlns:a="http://schemas.openxmlformats.org/drawingml/2006/main" xmlns:r="http://schemas.openxmlformats.org/officeDocument/2006/relationships" xmlns:p14="http://schemas.microsoft.com/office/powerpoint/2010/main" xmlns:p15="http://schemas.microsoft.com/office/powerpoint/2012/main" xmlns:p="http://schemas.openxmlformats.org/presentationml/2006/main" type="vertTx" preserve="1">
+<p:sldLayout xmlns:a="http://schemas.openxmlformats.org/drawingml/2006/main" xmlns:r="http://schemas.openxmlformats.org/officeDocument/2006/relationships" xmlns:m="http://schemas.openxmlformats.org/officeDocument/2006/math" xmlns:w="http://schemas.openxmlformats.org/wordprocessingml/2006/main" xmlns:wp="http://schemas.openxmlformats.org/drawingml/2006/wordprocessingDrawing" xmlns:a14="http://schemas.microsoft.com/office/drawing/2010/main" xmlns:p14="http://schemas.microsoft.com/office/powerpoint/2010/main" xmlns:p15="http://schemas.microsoft.com/office/powerpoint/2012/main" xmlns:p159="http://schemas.microsoft.com/office/powerpoint/2015/09/main" xmlns:p="http://schemas.openxmlformats.org/presentationml/2006/main" type="vertTx" preserve="1">
   <p:cSld name="Title and Vertical Text">
     <p:spTree>
       <p:nvGrpSpPr>
@@ -3093,7 +3093,7 @@
 </file>
 
 <file path=ppt/slideLayouts/slideLayout22.xml><?xml version="1.0" encoding="utf-8"?>
-<p:sldLayout xmlns:a="http://schemas.openxmlformats.org/drawingml/2006/main" xmlns:r="http://schemas.openxmlformats.org/officeDocument/2006/relationships" xmlns:p14="http://schemas.microsoft.com/office/powerpoint/2010/main" xmlns:p15="http://schemas.microsoft.com/office/powerpoint/2012/main" xmlns:p="http://schemas.openxmlformats.org/presentationml/2006/main" type="vertTitleAndTx" preserve="1">
+<p:sldLayout xmlns:a="http://schemas.openxmlformats.org/drawingml/2006/main" xmlns:r="http://schemas.openxmlformats.org/officeDocument/2006/relationships" xmlns:m="http://schemas.openxmlformats.org/officeDocument/2006/math" xmlns:w="http://schemas.openxmlformats.org/wordprocessingml/2006/main" xmlns:wp="http://schemas.openxmlformats.org/drawingml/2006/wordprocessingDrawing" xmlns:a14="http://schemas.microsoft.com/office/drawing/2010/main" xmlns:p14="http://schemas.microsoft.com/office/powerpoint/2010/main" xmlns:p15="http://schemas.microsoft.com/office/powerpoint/2012/main" xmlns:p159="http://schemas.microsoft.com/office/powerpoint/2015/09/main" xmlns:p="http://schemas.openxmlformats.org/presentationml/2006/main" type="vertTitleAndTx" preserve="1">
   <p:cSld name="Vertical Title and Text">
     <p:spTree>
       <p:nvGrpSpPr>
@@ -3268,7 +3268,7 @@
 </file>
 
 <file path=ppt/slideLayouts/slideLayout3.xml><?xml version="1.0" encoding="utf-8"?>
-<p:sldLayout xmlns:a="http://schemas.openxmlformats.org/drawingml/2006/main" xmlns:r="http://schemas.openxmlformats.org/officeDocument/2006/relationships" xmlns:p14="http://schemas.microsoft.com/office/powerpoint/2010/main" xmlns:p15="http://schemas.microsoft.com/office/powerpoint/2012/main" xmlns:p="http://schemas.openxmlformats.org/presentationml/2006/main" type="secHead" preserve="1">
+<p:sldLayout xmlns:a="http://schemas.openxmlformats.org/drawingml/2006/main" xmlns:r="http://schemas.openxmlformats.org/officeDocument/2006/relationships" xmlns:m="http://schemas.openxmlformats.org/officeDocument/2006/math" xmlns:w="http://schemas.openxmlformats.org/wordprocessingml/2006/main" xmlns:wp="http://schemas.openxmlformats.org/drawingml/2006/wordprocessingDrawing" xmlns:a14="http://schemas.microsoft.com/office/drawing/2010/main" xmlns:p14="http://schemas.microsoft.com/office/powerpoint/2010/main" xmlns:p15="http://schemas.microsoft.com/office/powerpoint/2012/main" xmlns:p159="http://schemas.microsoft.com/office/powerpoint/2015/09/main" xmlns:p="http://schemas.openxmlformats.org/presentationml/2006/main" type="secHead" preserve="1">
   <p:cSld name="Section Header">
     <p:spTree>
       <p:nvGrpSpPr>
@@ -3297,15 +3297,15 @@
           <a:bodyPr anchor="t"/>
           <a:lstStyle>
             <a:lvl1pPr algn="l">
-              <a:defRPr sz="4000" b="1" cap="all" smtId="4294967295"/>
+              <a:defRPr sz="4000" b="1" cap="all"/>
             </a:lvl1pPr>
           </a:lstStyle>
           <a:p>
             <a:r>
-              <a:rPr lang="en-US" smtClean="0" smtId="4294967295"/>
+              <a:rPr lang="en-US" smtClean="0"/>
               <a:t>Click to edit Master title style</a:t>
             </a:r>
-            <a:endParaRPr lang="en-US" smtId="4294967295"/>
+            <a:endParaRPr lang="en-US"/>
           </a:p>
         </p:txBody>
       </p:sp>
@@ -3325,7 +3325,7 @@
           <a:lstStyle>
             <a:lvl1pPr marL="0" indent="0">
               <a:buNone/>
-              <a:defRPr sz="2000" smtId="4294967295">
+              <a:defRPr sz="2000">
                 <a:solidFill>
                   <a:schemeClr val="tx1">
                     <a:tint val="75000"/>
@@ -3335,7 +3335,7 @@
             </a:lvl1pPr>
             <a:lvl2pPr marL="457200" indent="0">
               <a:buNone/>
-              <a:defRPr sz="1800" smtId="4294967295">
+              <a:defRPr sz="1800">
                 <a:solidFill>
                   <a:schemeClr val="tx1">
                     <a:tint val="75000"/>
@@ -3345,7 +3345,7 @@
             </a:lvl2pPr>
             <a:lvl3pPr marL="914400" indent="0">
               <a:buNone/>
-              <a:defRPr sz="1600" smtId="4294967295">
+              <a:defRPr sz="1600">
                 <a:solidFill>
                   <a:schemeClr val="tx1">
                     <a:tint val="75000"/>
@@ -3355,7 +3355,7 @@
             </a:lvl3pPr>
             <a:lvl4pPr marL="1371600" indent="0">
               <a:buNone/>
-              <a:defRPr sz="1400" smtId="4294967295">
+              <a:defRPr sz="1400">
                 <a:solidFill>
                   <a:schemeClr val="tx1">
                     <a:tint val="75000"/>
@@ -3365,7 +3365,7 @@
             </a:lvl4pPr>
             <a:lvl5pPr marL="1828800" indent="0">
               <a:buNone/>
-              <a:defRPr sz="1400" smtId="4294967295">
+              <a:defRPr sz="1400">
                 <a:solidFill>
                   <a:schemeClr val="tx1">
                     <a:tint val="75000"/>
@@ -3375,7 +3375,7 @@
             </a:lvl5pPr>
             <a:lvl6pPr marL="2286000" indent="0">
               <a:buNone/>
-              <a:defRPr sz="1400" smtId="4294967295">
+              <a:defRPr sz="1400">
                 <a:solidFill>
                   <a:schemeClr val="tx1">
                     <a:tint val="75000"/>
@@ -3385,7 +3385,7 @@
             </a:lvl6pPr>
             <a:lvl7pPr marL="2743200" indent="0">
               <a:buNone/>
-              <a:defRPr sz="1400" smtId="4294967295">
+              <a:defRPr sz="1400">
                 <a:solidFill>
                   <a:schemeClr val="tx1">
                     <a:tint val="75000"/>
@@ -3395,7 +3395,7 @@
             </a:lvl7pPr>
             <a:lvl8pPr marL="3200400" indent="0">
               <a:buNone/>
-              <a:defRPr sz="1400" smtId="4294967295">
+              <a:defRPr sz="1400">
                 <a:solidFill>
                   <a:schemeClr val="tx1">
                     <a:tint val="75000"/>
@@ -3405,7 +3405,7 @@
             </a:lvl8pPr>
             <a:lvl9pPr marL="3657600" indent="0">
               <a:buNone/>
-              <a:defRPr sz="1400" smtId="4294967295">
+              <a:defRPr sz="1400">
                 <a:solidFill>
                   <a:schemeClr val="tx1">
                     <a:tint val="75000"/>
@@ -3416,7 +3416,7 @@
           </a:lstStyle>
           <a:p>
             <a:r>
-              <a:rPr lang="en-US" smtClean="0" smtId="4294967295"/>
+              <a:rPr lang="en-US" smtClean="0"/>
               <a:t>Click to edit Master text styles</a:t>
             </a:r>
           </a:p>
@@ -3437,11 +3437,11 @@
           <a:bodyPr/>
           <a:lstStyle/>
           <a:p>
-            <a:fld id="{E8FD0B7A-F5DD-4F40-B4CB-3B2C354B893A}" type="datetimeFigureOut">
-              <a:rPr lang="en-US" smtClean="0" smtId="4294967295"/>
-              <a:t>Date</a:t>
+            <a:fld id="{71D8E15D-5C1E-4A34-9FF6-6C09B02695F0}" type="datetimeFigureOut">
+              <a:rPr lang="en-US" smtClean="0"/>
+              <a:t>11/7/2009</a:t>
             </a:fld>
-            <a:endParaRPr lang="en-US" smtId="4294967295"/>
+            <a:endParaRPr lang="en-US"/>
           </a:p>
         </p:txBody>
       </p:sp>
@@ -3460,7 +3460,7 @@
           <a:bodyPr/>
           <a:lstStyle/>
           <a:p>
-            <a:endParaRPr lang="en-US" smtId="4294967295"/>
+            <a:endParaRPr lang="en-US"/>
           </a:p>
         </p:txBody>
       </p:sp>
@@ -3480,10 +3480,10 @@
           <a:lstStyle/>
           <a:p>
             <a:fld id="{93AE1883-0942-4AA3-9DB2-9C7C3A0314B1}" type="slidenum">
-              <a:rPr lang="en-US" smtClean="0" smtId="4294967295"/>
+              <a:rPr lang="en-US" smtClean="0"/>
               <a:t>‹#›</a:t>
             </a:fld>
-            <a:endParaRPr lang="en-US" smtId="4294967295"/>
+            <a:endParaRPr lang="en-US"/>
           </a:p>
         </p:txBody>
       </p:sp>
@@ -3498,7 +3498,7 @@
 </file>
 
 <file path=ppt/slideLayouts/slideLayout4.xml><?xml version="1.0" encoding="utf-8"?>
-<p:sldLayout xmlns:a="http://schemas.openxmlformats.org/drawingml/2006/main" xmlns:r="http://schemas.openxmlformats.org/officeDocument/2006/relationships" xmlns:p14="http://schemas.microsoft.com/office/powerpoint/2010/main" xmlns:p15="http://schemas.microsoft.com/office/powerpoint/2012/main" xmlns:p="http://schemas.openxmlformats.org/presentationml/2006/main" type="twoObj" preserve="1">
+<p:sldLayout xmlns:a="http://schemas.openxmlformats.org/drawingml/2006/main" xmlns:r="http://schemas.openxmlformats.org/officeDocument/2006/relationships" xmlns:m="http://schemas.openxmlformats.org/officeDocument/2006/math" xmlns:w="http://schemas.openxmlformats.org/wordprocessingml/2006/main" xmlns:wp="http://schemas.openxmlformats.org/drawingml/2006/wordprocessingDrawing" xmlns:a14="http://schemas.microsoft.com/office/drawing/2010/main" xmlns:p14="http://schemas.microsoft.com/office/powerpoint/2010/main" xmlns:p15="http://schemas.microsoft.com/office/powerpoint/2012/main" xmlns:p159="http://schemas.microsoft.com/office/powerpoint/2015/09/main" xmlns:p="http://schemas.openxmlformats.org/presentationml/2006/main" type="twoObj" preserve="1">
   <p:cSld name="Two Content">
     <p:spTree>
       <p:nvGrpSpPr>
@@ -3528,10 +3528,10 @@
           <a:lstStyle/>
           <a:p>
             <a:r>
-              <a:rPr lang="en-US" smtClean="0" smtId="4294967295"/>
+              <a:rPr lang="en-US" smtClean="0"/>
               <a:t>Click to edit Master title style</a:t>
             </a:r>
-            <a:endParaRPr lang="en-US" smtId="4294967295"/>
+            <a:endParaRPr lang="en-US"/>
           </a:p>
         </p:txBody>
       </p:sp>
@@ -3550,67 +3550,67 @@
           <a:bodyPr/>
           <a:lstStyle>
             <a:lvl1pPr>
-              <a:defRPr sz="2800" smtId="4294967295"/>
+              <a:defRPr sz="2800"/>
             </a:lvl1pPr>
             <a:lvl2pPr>
-              <a:defRPr sz="2400" smtId="4294967295"/>
+              <a:defRPr sz="2400"/>
             </a:lvl2pPr>
             <a:lvl3pPr>
-              <a:defRPr sz="2000" smtId="4294967295"/>
+              <a:defRPr sz="2000"/>
             </a:lvl3pPr>
             <a:lvl4pPr>
-              <a:defRPr sz="1800" smtId="4294967295"/>
+              <a:defRPr sz="1800"/>
             </a:lvl4pPr>
             <a:lvl5pPr>
-              <a:defRPr sz="1800" smtId="4294967295"/>
+              <a:defRPr sz="1800"/>
             </a:lvl5pPr>
             <a:lvl6pPr>
-              <a:defRPr sz="1800" smtId="4294967295"/>
+              <a:defRPr sz="1800"/>
             </a:lvl6pPr>
             <a:lvl7pPr>
-              <a:defRPr sz="1800" smtId="4294967295"/>
+              <a:defRPr sz="1800"/>
             </a:lvl7pPr>
             <a:lvl8pPr>
-              <a:defRPr sz="1800" smtId="4294967295"/>
+              <a:defRPr sz="1800"/>
             </a:lvl8pPr>
             <a:lvl9pPr>
-              <a:defRPr sz="1800" smtId="4294967295"/>
+              <a:defRPr sz="1800"/>
             </a:lvl9pPr>
           </a:lstStyle>
           <a:p>
             <a:r>
-              <a:rPr lang="en-US" smtClean="0" smtId="4294967295"/>
+              <a:rPr lang="en-US" smtClean="0"/>
               <a:t>Click to edit Master text styles</a:t>
             </a:r>
           </a:p>
           <a:p>
             <a:pPr lvl="1"/>
             <a:r>
-              <a:rPr lang="en-US" smtClean="0" smtId="4294967295"/>
+              <a:rPr lang="en-US" smtClean="0"/>
               <a:t>Second level</a:t>
             </a:r>
           </a:p>
           <a:p>
             <a:pPr lvl="2"/>
             <a:r>
-              <a:rPr lang="en-US" smtClean="0" smtId="4294967295"/>
+              <a:rPr lang="en-US" smtClean="0"/>
               <a:t>Third level</a:t>
             </a:r>
           </a:p>
           <a:p>
             <a:pPr lvl="3"/>
             <a:r>
-              <a:rPr lang="en-US" smtClean="0" smtId="4294967295"/>
+              <a:rPr lang="en-US" smtClean="0"/>
               <a:t>Fourth level</a:t>
             </a:r>
           </a:p>
           <a:p>
             <a:pPr lvl="4"/>
             <a:r>
-              <a:rPr lang="en-US" smtClean="0" smtId="4294967295"/>
+              <a:rPr lang="en-US" smtClean="0"/>
               <a:t>Fifth level</a:t>
             </a:r>
-            <a:endParaRPr lang="en-US" smtId="4294967295"/>
+            <a:endParaRPr lang="en-US"/>
           </a:p>
         </p:txBody>
       </p:sp>
@@ -3629,67 +3629,67 @@
           <a:bodyPr/>
           <a:lstStyle>
             <a:lvl1pPr>
-              <a:defRPr sz="2800" smtId="4294967295"/>
+              <a:defRPr sz="2800"/>
             </a:lvl1pPr>
             <a:lvl2pPr>
-              <a:defRPr sz="2400" smtId="4294967295"/>
+              <a:defRPr sz="2400"/>
             </a:lvl2pPr>
             <a:lvl3pPr>
-              <a:defRPr sz="2000" smtId="4294967295"/>
+              <a:defRPr sz="2000"/>
             </a:lvl3pPr>
             <a:lvl4pPr>
-              <a:defRPr sz="1800" smtId="4294967295"/>
+              <a:defRPr sz="1800"/>
             </a:lvl4pPr>
             <a:lvl5pPr>
-              <a:defRPr sz="1800" smtId="4294967295"/>
+              <a:defRPr sz="1800"/>
             </a:lvl5pPr>
             <a:lvl6pPr>
-              <a:defRPr sz="1800" smtId="4294967295"/>
+              <a:defRPr sz="1800"/>
             </a:lvl6pPr>
             <a:lvl7pPr>
-              <a:defRPr sz="1800" smtId="4294967295"/>
+              <a:defRPr sz="1800"/>
             </a:lvl7pPr>
             <a:lvl8pPr>
-              <a:defRPr sz="1800" smtId="4294967295"/>
+              <a:defRPr sz="1800"/>
             </a:lvl8pPr>
             <a:lvl9pPr>
-              <a:defRPr sz="1800" smtId="4294967295"/>
+              <a:defRPr sz="1800"/>
             </a:lvl9pPr>
           </a:lstStyle>
           <a:p>
             <a:r>
-              <a:rPr lang="en-US" smtClean="0" smtId="4294967295"/>
+              <a:rPr lang="en-US" smtClean="0"/>
               <a:t>Click to edit Master text styles</a:t>
             </a:r>
           </a:p>
           <a:p>
             <a:pPr lvl="1"/>
             <a:r>
-              <a:rPr lang="en-US" smtClean="0" smtId="4294967295"/>
+              <a:rPr lang="en-US" smtClean="0"/>
               <a:t>Second level</a:t>
             </a:r>
           </a:p>
           <a:p>
             <a:pPr lvl="2"/>
             <a:r>
-              <a:rPr lang="en-US" smtClean="0" smtId="4294967295"/>
+              <a:rPr lang="en-US" smtClean="0"/>
               <a:t>Third level</a:t>
             </a:r>
           </a:p>
           <a:p>
             <a:pPr lvl="3"/>
             <a:r>
-              <a:rPr lang="en-US" smtClean="0" smtId="4294967295"/>
+              <a:rPr lang="en-US" smtClean="0"/>
               <a:t>Fourth level</a:t>
             </a:r>
           </a:p>
           <a:p>
             <a:pPr lvl="4"/>
             <a:r>
-              <a:rPr lang="en-US" smtClean="0" smtId="4294967295"/>
+              <a:rPr lang="en-US" smtClean="0"/>
               <a:t>Fifth level</a:t>
             </a:r>
-            <a:endParaRPr lang="en-US" smtId="4294967295"/>
+            <a:endParaRPr lang="en-US"/>
           </a:p>
         </p:txBody>
       </p:sp>
@@ -3708,11 +3708,11 @@
           <a:bodyPr/>
           <a:lstStyle/>
           <a:p>
-            <a:fld id="{E8FD0B7A-F5DD-4F40-B4CB-3B2C354B893A}" type="datetimeFigureOut">
-              <a:rPr lang="en-US" smtClean="0" smtId="4294967295"/>
-              <a:t>Date</a:t>
+            <a:fld id="{E0F40772-2D52-476E-AC28-8BC79C101BC3}" type="datetimeFigureOut">
+              <a:rPr lang="en-US" smtClean="0"/>
+              <a:t>11/7/2009</a:t>
             </a:fld>
-            <a:endParaRPr lang="en-US" smtId="4294967295"/>
+            <a:endParaRPr lang="en-US"/>
           </a:p>
         </p:txBody>
       </p:sp>
@@ -3731,7 +3731,7 @@
           <a:bodyPr/>
           <a:lstStyle/>
           <a:p>
-            <a:endParaRPr lang="en-US" smtId="4294967295"/>
+            <a:endParaRPr lang="en-US"/>
           </a:p>
         </p:txBody>
       </p:sp>
@@ -3751,10 +3751,10 @@
           <a:lstStyle/>
           <a:p>
             <a:fld id="{93AE1883-0942-4AA3-9DB2-9C7C3A0314B1}" type="slidenum">
-              <a:rPr lang="en-US" smtClean="0" smtId="4294967295"/>
+              <a:rPr lang="en-US" smtClean="0"/>
               <a:t>‹#›</a:t>
             </a:fld>
-            <a:endParaRPr lang="en-US" smtId="4294967295"/>
+            <a:endParaRPr lang="en-US"/>
           </a:p>
         </p:txBody>
       </p:sp>
@@ -3769,7 +3769,7 @@
 </file>
 
 <file path=ppt/slideLayouts/slideLayout5.xml><?xml version="1.0" encoding="utf-8"?>
-<p:sldLayout xmlns:a="http://schemas.openxmlformats.org/drawingml/2006/main" xmlns:r="http://schemas.openxmlformats.org/officeDocument/2006/relationships" xmlns:p14="http://schemas.microsoft.com/office/powerpoint/2010/main" xmlns:p15="http://schemas.microsoft.com/office/powerpoint/2012/main" xmlns:p="http://schemas.openxmlformats.org/presentationml/2006/main" type="twoTxTwoObj" preserve="1">
+<p:sldLayout xmlns:a="http://schemas.openxmlformats.org/drawingml/2006/main" xmlns:r="http://schemas.openxmlformats.org/officeDocument/2006/relationships" xmlns:m="http://schemas.openxmlformats.org/officeDocument/2006/math" xmlns:w="http://schemas.openxmlformats.org/wordprocessingml/2006/main" xmlns:wp="http://schemas.openxmlformats.org/drawingml/2006/wordprocessingDrawing" xmlns:a14="http://schemas.microsoft.com/office/drawing/2010/main" xmlns:p14="http://schemas.microsoft.com/office/powerpoint/2010/main" xmlns:p15="http://schemas.microsoft.com/office/powerpoint/2012/main" xmlns:p159="http://schemas.microsoft.com/office/powerpoint/2015/09/main" xmlns:p="http://schemas.openxmlformats.org/presentationml/2006/main" type="twoTxTwoObj" preserve="1">
   <p:cSld name="Comparison">
     <p:spTree>
       <p:nvGrpSpPr>
@@ -3799,10 +3799,10 @@
           <a:lstStyle/>
           <a:p>
             <a:r>
-              <a:rPr lang="en-US" smtClean="0" smtId="4294967295"/>
+              <a:rPr lang="en-US" smtClean="0"/>
               <a:t>Click to edit Master title style</a:t>
             </a:r>
-            <a:endParaRPr lang="en-US" smtId="4294967295"/>
+            <a:endParaRPr lang="en-US"/>
           </a:p>
         </p:txBody>
       </p:sp>
@@ -3822,44 +3822,44 @@
           <a:lstStyle>
             <a:lvl1pPr marL="0" indent="0">
               <a:buNone/>
-              <a:defRPr sz="2400" b="1" smtId="4294967295"/>
+              <a:defRPr sz="2400" b="1"/>
             </a:lvl1pPr>
             <a:lvl2pPr marL="457200" indent="0">
               <a:buNone/>
-              <a:defRPr sz="2000" b="1" smtId="4294967295"/>
+              <a:defRPr sz="2000" b="1"/>
             </a:lvl2pPr>
             <a:lvl3pPr marL="914400" indent="0">
               <a:buNone/>
-              <a:defRPr sz="1800" b="1" smtId="4294967295"/>
+              <a:defRPr sz="1800" b="1"/>
             </a:lvl3pPr>
             <a:lvl4pPr marL="1371600" indent="0">
               <a:buNone/>
-              <a:defRPr sz="1600" b="1" smtId="4294967295"/>
+              <a:defRPr sz="1600" b="1"/>
             </a:lvl4pPr>
             <a:lvl5pPr marL="1828800" indent="0">
               <a:buNone/>
-              <a:defRPr sz="1600" b="1" smtId="4294967295"/>
+              <a:defRPr sz="1600" b="1"/>
             </a:lvl5pPr>
             <a:lvl6pPr marL="2286000" indent="0">
               <a:buNone/>
-              <a:defRPr sz="1600" b="1" smtId="4294967295"/>
+              <a:defRPr sz="1600" b="1"/>
             </a:lvl6pPr>
             <a:lvl7pPr marL="2743200" indent="0">
               <a:buNone/>
-              <a:defRPr sz="1600" b="1" smtId="4294967295"/>
+              <a:defRPr sz="1600" b="1"/>
             </a:lvl7pPr>
             <a:lvl8pPr marL="3200400" indent="0">
               <a:buNone/>
-              <a:defRPr sz="1600" b="1" smtId="4294967295"/>
+              <a:defRPr sz="1600" b="1"/>
             </a:lvl8pPr>
             <a:lvl9pPr marL="3657600" indent="0">
               <a:buNone/>
-              <a:defRPr sz="1600" b="1" smtId="4294967295"/>
+              <a:defRPr sz="1600" b="1"/>
             </a:lvl9pPr>
           </a:lstStyle>
           <a:p>
             <a:r>
-              <a:rPr lang="en-US" smtClean="0" smtId="4294967295"/>
+              <a:rPr lang="en-US" smtClean="0"/>
               <a:t>Click to edit Master text styles</a:t>
             </a:r>
           </a:p>
@@ -3880,67 +3880,67 @@
           <a:bodyPr/>
           <a:lstStyle>
             <a:lvl1pPr>
-              <a:defRPr sz="2400" smtId="4294967295"/>
+              <a:defRPr sz="2400"/>
             </a:lvl1pPr>
             <a:lvl2pPr>
-              <a:defRPr sz="2000" smtId="4294967295"/>
+              <a:defRPr sz="2000"/>
             </a:lvl2pPr>
             <a:lvl3pPr>
-              <a:defRPr sz="1800" smtId="4294967295"/>
+              <a:defRPr sz="1800"/>
             </a:lvl3pPr>
             <a:lvl4pPr>
-              <a:defRPr sz="1600" smtId="4294967295"/>
+              <a:defRPr sz="1600"/>
             </a:lvl4pPr>
             <a:lvl5pPr>
-              <a:defRPr sz="1600" smtId="4294967295"/>
+              <a:defRPr sz="1600"/>
             </a:lvl5pPr>
             <a:lvl6pPr>
-              <a:defRPr sz="1600" smtId="4294967295"/>
+              <a:defRPr sz="1600"/>
             </a:lvl6pPr>
             <a:lvl7pPr>
-              <a:defRPr sz="1600" smtId="4294967295"/>
+              <a:defRPr sz="1600"/>
             </a:lvl7pPr>
             <a:lvl8pPr>
-              <a:defRPr sz="1600" smtId="4294967295"/>
+              <a:defRPr sz="1600"/>
             </a:lvl8pPr>
             <a:lvl9pPr>
-              <a:defRPr sz="1600" smtId="4294967295"/>
+              <a:defRPr sz="1600"/>
             </a:lvl9pPr>
           </a:lstStyle>
           <a:p>
             <a:r>
-              <a:rPr lang="en-US" smtClean="0" smtId="4294967295"/>
+              <a:rPr lang="en-US" smtClean="0"/>
               <a:t>Click to edit Master text styles</a:t>
             </a:r>
           </a:p>
           <a:p>
             <a:pPr lvl="1"/>
             <a:r>
-              <a:rPr lang="en-US" smtClean="0" smtId="4294967295"/>
+              <a:rPr lang="en-US" smtClean="0"/>
               <a:t>Second level</a:t>
             </a:r>
           </a:p>
           <a:p>
             <a:pPr lvl="2"/>
             <a:r>
-              <a:rPr lang="en-US" smtClean="0" smtId="4294967295"/>
+              <a:rPr lang="en-US" smtClean="0"/>
               <a:t>Third level</a:t>
             </a:r>
           </a:p>
           <a:p>
             <a:pPr lvl="3"/>
             <a:r>
-              <a:rPr lang="en-US" smtClean="0" smtId="4294967295"/>
+              <a:rPr lang="en-US" smtClean="0"/>
               <a:t>Fourth level</a:t>
             </a:r>
           </a:p>
           <a:p>
             <a:pPr lvl="4"/>
             <a:r>
-              <a:rPr lang="en-US" smtClean="0" smtId="4294967295"/>
+              <a:rPr lang="en-US" smtClean="0"/>
               <a:t>Fifth level</a:t>
             </a:r>
-            <a:endParaRPr lang="en-US" smtId="4294967295"/>
+            <a:endParaRPr lang="en-US"/>
           </a:p>
         </p:txBody>
       </p:sp>
@@ -3960,44 +3960,44 @@
           <a:lstStyle>
             <a:lvl1pPr marL="0" indent="0">
               <a:buNone/>
-              <a:defRPr sz="2400" b="1" smtId="4294967295"/>
+              <a:defRPr sz="2400" b="1"/>
             </a:lvl1pPr>
             <a:lvl2pPr marL="457200" indent="0">
               <a:buNone/>
-              <a:defRPr sz="2000" b="1" smtId="4294967295"/>
+              <a:defRPr sz="2000" b="1"/>
             </a:lvl2pPr>
             <a:lvl3pPr marL="914400" indent="0">
               <a:buNone/>
-              <a:defRPr sz="1800" b="1" smtId="4294967295"/>
+              <a:defRPr sz="1800" b="1"/>
             </a:lvl3pPr>
             <a:lvl4pPr marL="1371600" indent="0">
               <a:buNone/>
-              <a:defRPr sz="1600" b="1" smtId="4294967295"/>
+              <a:defRPr sz="1600" b="1"/>
             </a:lvl4pPr>
             <a:lvl5pPr marL="1828800" indent="0">
               <a:buNone/>
-              <a:defRPr sz="1600" b="1" smtId="4294967295"/>
+              <a:defRPr sz="1600" b="1"/>
             </a:lvl5pPr>
             <a:lvl6pPr marL="2286000" indent="0">
               <a:buNone/>
-              <a:defRPr sz="1600" b="1" smtId="4294967295"/>
+              <a:defRPr sz="1600" b="1"/>
             </a:lvl6pPr>
             <a:lvl7pPr marL="2743200" indent="0">
               <a:buNone/>
-              <a:defRPr sz="1600" b="1" smtId="4294967295"/>
+              <a:defRPr sz="1600" b="1"/>
             </a:lvl7pPr>
             <a:lvl8pPr marL="3200400" indent="0">
               <a:buNone/>
-              <a:defRPr sz="1600" b="1" smtId="4294967295"/>
+              <a:defRPr sz="1600" b="1"/>
             </a:lvl8pPr>
             <a:lvl9pPr marL="3657600" indent="0">
               <a:buNone/>
-              <a:defRPr sz="1600" b="1" smtId="4294967295"/>
+              <a:defRPr sz="1600" b="1"/>
             </a:lvl9pPr>
           </a:lstStyle>
           <a:p>
             <a:r>
-              <a:rPr lang="en-US" smtClean="0" smtId="4294967295"/>
+              <a:rPr lang="en-US" smtClean="0"/>
               <a:t>Click to edit Master text styles</a:t>
             </a:r>
           </a:p>
@@ -4018,67 +4018,67 @@
           <a:bodyPr/>
           <a:lstStyle>
             <a:lvl1pPr>
-              <a:defRPr sz="2400" smtId="4294967295"/>
+              <a:defRPr sz="2400"/>
             </a:lvl1pPr>
             <a:lvl2pPr>
-              <a:defRPr sz="2000" smtId="4294967295"/>
+              <a:defRPr sz="2000"/>
             </a:lvl2pPr>
             <a:lvl3pPr>
-              <a:defRPr sz="1800" smtId="4294967295"/>
+              <a:defRPr sz="1800"/>
             </a:lvl3pPr>
             <a:lvl4pPr>
-              <a:defRPr sz="1600" smtId="4294967295"/>
+              <a:defRPr sz="1600"/>
             </a:lvl4pPr>
             <a:lvl5pPr>
-              <a:defRPr sz="1600" smtId="4294967295"/>
+              <a:defRPr sz="1600"/>
             </a:lvl5pPr>
             <a:lvl6pPr>
-              <a:defRPr sz="1600" smtId="4294967295"/>
+              <a:defRPr sz="1600"/>
             </a:lvl6pPr>
             <a:lvl7pPr>
-              <a:defRPr sz="1600" smtId="4294967295"/>
+              <a:defRPr sz="1600"/>
             </a:lvl7pPr>
             <a:lvl8pPr>
-              <a:defRPr sz="1600" smtId="4294967295"/>
+              <a:defRPr sz="1600"/>
             </a:lvl8pPr>
             <a:lvl9pPr>
-              <a:defRPr sz="1600" smtId="4294967295"/>
+              <a:defRPr sz="1600"/>
             </a:lvl9pPr>
           </a:lstStyle>
           <a:p>
             <a:r>
-              <a:rPr lang="en-US" smtClean="0" smtId="4294967295"/>
+              <a:rPr lang="en-US" smtClean="0"/>
               <a:t>Click to edit Master text styles</a:t>
             </a:r>
           </a:p>
           <a:p>
             <a:pPr lvl="1"/>
             <a:r>
-              <a:rPr lang="en-US" smtClean="0" smtId="4294967295"/>
+              <a:rPr lang="en-US" smtClean="0"/>
               <a:t>Second level</a:t>
             </a:r>
           </a:p>
           <a:p>
             <a:pPr lvl="2"/>
             <a:r>
-              <a:rPr lang="en-US" smtClean="0" smtId="4294967295"/>
+              <a:rPr lang="en-US" smtClean="0"/>
               <a:t>Third level</a:t>
             </a:r>
           </a:p>
           <a:p>
             <a:pPr lvl="3"/>
             <a:r>
-              <a:rPr lang="en-US" smtClean="0" smtId="4294967295"/>
+              <a:rPr lang="en-US" smtClean="0"/>
               <a:t>Fourth level</a:t>
             </a:r>
           </a:p>
           <a:p>
             <a:pPr lvl="4"/>
             <a:r>
-              <a:rPr lang="en-US" smtClean="0" smtId="4294967295"/>
+              <a:rPr lang="en-US" smtClean="0"/>
               <a:t>Fifth level</a:t>
             </a:r>
-            <a:endParaRPr lang="en-US" smtId="4294967295"/>
+            <a:endParaRPr lang="en-US"/>
           </a:p>
         </p:txBody>
       </p:sp>
@@ -4097,11 +4097,11 @@
           <a:bodyPr/>
           <a:lstStyle/>
           <a:p>
-            <a:fld id="{E8FD0B7A-F5DD-4F40-B4CB-3B2C354B893A}" type="datetimeFigureOut">
-              <a:rPr lang="en-US" smtClean="0" smtId="4294967295"/>
-              <a:t>Date</a:t>
+            <a:fld id="{B94F7550-7DF3-4B87-8DC0-014070507F66}" type="datetimeFigureOut">
+              <a:rPr lang="en-US" smtClean="0"/>
+              <a:t>11/7/2009</a:t>
             </a:fld>
-            <a:endParaRPr lang="en-US" smtId="4294967295"/>
+            <a:endParaRPr lang="en-US"/>
           </a:p>
         </p:txBody>
       </p:sp>
@@ -4120,7 +4120,7 @@
           <a:bodyPr/>
           <a:lstStyle/>
           <a:p>
-            <a:endParaRPr lang="en-US" smtId="4294967295"/>
+            <a:endParaRPr lang="en-US"/>
           </a:p>
         </p:txBody>
       </p:sp>
@@ -4140,10 +4140,10 @@
           <a:lstStyle/>
           <a:p>
             <a:fld id="{93AE1883-0942-4AA3-9DB2-9C7C3A0314B1}" type="slidenum">
-              <a:rPr lang="en-US" smtClean="0" smtId="4294967295"/>
+              <a:rPr lang="en-US" smtClean="0"/>
               <a:t>‹#›</a:t>
             </a:fld>
-            <a:endParaRPr lang="en-US" smtId="4294967295"/>
+            <a:endParaRPr lang="en-US"/>
           </a:p>
         </p:txBody>
       </p:sp>
@@ -4158,7 +4158,7 @@
 </file>
 
 <file path=ppt/slideLayouts/slideLayout6.xml><?xml version="1.0" encoding="utf-8"?>
-<p:sldLayout xmlns:a="http://schemas.openxmlformats.org/drawingml/2006/main" xmlns:r="http://schemas.openxmlformats.org/officeDocument/2006/relationships" xmlns:p14="http://schemas.microsoft.com/office/powerpoint/2010/main" xmlns:p15="http://schemas.microsoft.com/office/powerpoint/2012/main" xmlns:p="http://schemas.openxmlformats.org/presentationml/2006/main" type="titleOnly" preserve="1">
+<p:sldLayout xmlns:a="http://schemas.openxmlformats.org/drawingml/2006/main" xmlns:r="http://schemas.openxmlformats.org/officeDocument/2006/relationships" xmlns:m="http://schemas.openxmlformats.org/officeDocument/2006/math" xmlns:w="http://schemas.openxmlformats.org/wordprocessingml/2006/main" xmlns:wp="http://schemas.openxmlformats.org/drawingml/2006/wordprocessingDrawing" xmlns:a14="http://schemas.microsoft.com/office/drawing/2010/main" xmlns:p14="http://schemas.microsoft.com/office/powerpoint/2010/main" xmlns:p15="http://schemas.microsoft.com/office/powerpoint/2012/main" xmlns:p159="http://schemas.microsoft.com/office/powerpoint/2015/09/main" xmlns:p="http://schemas.openxmlformats.org/presentationml/2006/main" type="titleOnly" preserve="1">
   <p:cSld name="Title Only">
     <p:spTree>
       <p:nvGrpSpPr>
@@ -4188,10 +4188,10 @@
           <a:lstStyle/>
           <a:p>
             <a:r>
-              <a:rPr lang="en-US" smtClean="0" smtId="4294967295"/>
+              <a:rPr lang="en-US" smtClean="0"/>
               <a:t>Click to edit Master title style</a:t>
             </a:r>
-            <a:endParaRPr lang="en-US" smtId="4294967295"/>
+            <a:endParaRPr lang="en-US"/>
           </a:p>
         </p:txBody>
       </p:sp>
@@ -4210,11 +4210,11 @@
           <a:bodyPr/>
           <a:lstStyle/>
           <a:p>
-            <a:fld id="{E8FD0B7A-F5DD-4F40-B4CB-3B2C354B893A}" type="datetimeFigureOut">
-              <a:rPr lang="en-US" smtClean="0" smtId="4294967295"/>
-              <a:t>Date</a:t>
+            <a:fld id="{878B1467-EEC9-445E-B6BD-C8E8B9F9890B}" type="datetimeFigureOut">
+              <a:rPr lang="en-US" smtClean="0"/>
+              <a:t>11/7/2009</a:t>
             </a:fld>
-            <a:endParaRPr lang="en-US" smtId="4294967295"/>
+            <a:endParaRPr lang="en-US"/>
           </a:p>
         </p:txBody>
       </p:sp>
@@ -4233,7 +4233,7 @@
           <a:bodyPr/>
           <a:lstStyle/>
           <a:p>
-            <a:endParaRPr lang="en-US" smtId="4294967295"/>
+            <a:endParaRPr lang="en-US"/>
           </a:p>
         </p:txBody>
       </p:sp>
@@ -4253,10 +4253,10 @@
           <a:lstStyle/>
           <a:p>
             <a:fld id="{93AE1883-0942-4AA3-9DB2-9C7C3A0314B1}" type="slidenum">
-              <a:rPr lang="en-US" smtClean="0" smtId="4294967295"/>
+              <a:rPr lang="en-US" smtClean="0"/>
               <a:t>‹#›</a:t>
             </a:fld>
-            <a:endParaRPr lang="en-US" smtId="4294967295"/>
+            <a:endParaRPr lang="en-US"/>
           </a:p>
         </p:txBody>
       </p:sp>
@@ -4271,7 +4271,7 @@
 </file>
 
 <file path=ppt/slideLayouts/slideLayout7.xml><?xml version="1.0" encoding="utf-8"?>
-<p:sldLayout xmlns:a="http://schemas.openxmlformats.org/drawingml/2006/main" xmlns:r="http://schemas.openxmlformats.org/officeDocument/2006/relationships" xmlns:p14="http://schemas.microsoft.com/office/powerpoint/2010/main" xmlns:p15="http://schemas.microsoft.com/office/powerpoint/2012/main" xmlns:p="http://schemas.openxmlformats.org/presentationml/2006/main" type="blank" preserve="1">
+<p:sldLayout xmlns:a="http://schemas.openxmlformats.org/drawingml/2006/main" xmlns:r="http://schemas.openxmlformats.org/officeDocument/2006/relationships" xmlns:m="http://schemas.openxmlformats.org/officeDocument/2006/math" xmlns:w="http://schemas.openxmlformats.org/wordprocessingml/2006/main" xmlns:wp="http://schemas.openxmlformats.org/drawingml/2006/wordprocessingDrawing" xmlns:a14="http://schemas.microsoft.com/office/drawing/2010/main" xmlns:p14="http://schemas.microsoft.com/office/powerpoint/2010/main" xmlns:p15="http://schemas.microsoft.com/office/powerpoint/2012/main" xmlns:p159="http://schemas.microsoft.com/office/powerpoint/2015/09/main" xmlns:p="http://schemas.openxmlformats.org/presentationml/2006/main" type="blank" preserve="1">
   <p:cSld name="Blank">
     <p:spTree>
       <p:nvGrpSpPr>
@@ -4300,11 +4300,11 @@
           <a:bodyPr/>
           <a:lstStyle/>
           <a:p>
-            <a:fld id="{E8FD0B7A-F5DD-4F40-B4CB-3B2C354B893A}" type="datetimeFigureOut">
-              <a:rPr lang="en-US" smtClean="0" smtId="4294967295"/>
-              <a:t>Date</a:t>
+            <a:fld id="{D25B8F4F-778B-4161-893C-841782E87AD5}" type="datetimeFigureOut">
+              <a:rPr lang="en-US" smtClean="0"/>
+              <a:t>11/7/2009</a:t>
             </a:fld>
-            <a:endParaRPr lang="en-US" smtId="4294967295"/>
+            <a:endParaRPr lang="en-US"/>
           </a:p>
         </p:txBody>
       </p:sp>
@@ -4323,7 +4323,7 @@
           <a:bodyPr/>
           <a:lstStyle/>
           <a:p>
-            <a:endParaRPr lang="en-US" smtId="4294967295"/>
+            <a:endParaRPr lang="en-US"/>
           </a:p>
         </p:txBody>
       </p:sp>
@@ -4343,10 +4343,10 @@
           <a:lstStyle/>
           <a:p>
             <a:fld id="{93AE1883-0942-4AA3-9DB2-9C7C3A0314B1}" type="slidenum">
-              <a:rPr lang="en-US" smtClean="0" smtId="4294967295"/>
+              <a:rPr lang="en-US" smtClean="0"/>
               <a:t>‹#›</a:t>
             </a:fld>
-            <a:endParaRPr lang="en-US" smtId="4294967295"/>
+            <a:endParaRPr lang="en-US"/>
           </a:p>
         </p:txBody>
       </p:sp>
@@ -4361,7 +4361,7 @@
 </file>
 
 <file path=ppt/slideLayouts/slideLayout8.xml><?xml version="1.0" encoding="utf-8"?>
-<p:sldLayout xmlns:a="http://schemas.openxmlformats.org/drawingml/2006/main" xmlns:r="http://schemas.openxmlformats.org/officeDocument/2006/relationships" xmlns:p14="http://schemas.microsoft.com/office/powerpoint/2010/main" xmlns:p15="http://schemas.microsoft.com/office/powerpoint/2012/main" xmlns:p="http://schemas.openxmlformats.org/presentationml/2006/main" type="objTx" preserve="1">
+<p:sldLayout xmlns:a="http://schemas.openxmlformats.org/drawingml/2006/main" xmlns:r="http://schemas.openxmlformats.org/officeDocument/2006/relationships" xmlns:m="http://schemas.openxmlformats.org/officeDocument/2006/math" xmlns:w="http://schemas.openxmlformats.org/wordprocessingml/2006/main" xmlns:wp="http://schemas.openxmlformats.org/drawingml/2006/wordprocessingDrawing" xmlns:a14="http://schemas.microsoft.com/office/drawing/2010/main" xmlns:p14="http://schemas.microsoft.com/office/powerpoint/2010/main" xmlns:p15="http://schemas.microsoft.com/office/powerpoint/2012/main" xmlns:p159="http://schemas.microsoft.com/office/powerpoint/2015/09/main" xmlns:p="http://schemas.openxmlformats.org/presentationml/2006/main" type="objTx" preserve="1">
   <p:cSld name="Content with Caption">
     <p:spTree>
       <p:nvGrpSpPr>
@@ -4390,15 +4390,15 @@
           <a:bodyPr anchor="b"/>
           <a:lstStyle>
             <a:lvl1pPr algn="l">
-              <a:defRPr sz="2000" b="1" smtId="4294967295"/>
+              <a:defRPr sz="2000" b="1"/>
             </a:lvl1pPr>
           </a:lstStyle>
           <a:p>
             <a:r>
-              <a:rPr lang="en-US" smtClean="0" smtId="4294967295"/>
+              <a:rPr lang="en-US" smtClean="0"/>
               <a:t>Click to edit Master title style</a:t>
             </a:r>
-            <a:endParaRPr lang="en-US" smtId="4294967295"/>
+            <a:endParaRPr lang="en-US"/>
           </a:p>
         </p:txBody>
       </p:sp>
@@ -4417,67 +4417,67 @@
           <a:bodyPr/>
           <a:lstStyle>
             <a:lvl1pPr>
-              <a:defRPr sz="3200" smtId="4294967295"/>
+              <a:defRPr sz="3200"/>
             </a:lvl1pPr>
             <a:lvl2pPr>
-              <a:defRPr sz="2800" smtId="4294967295"/>
+              <a:defRPr sz="2800"/>
             </a:lvl2pPr>
             <a:lvl3pPr>
-              <a:defRPr sz="2400" smtId="4294967295"/>
+              <a:defRPr sz="2400"/>
             </a:lvl3pPr>
             <a:lvl4pPr>
-              <a:defRPr sz="2000" smtId="4294967295"/>
+              <a:defRPr sz="2000"/>
             </a:lvl4pPr>
             <a:lvl5pPr>
-              <a:defRPr sz="2000" smtId="4294967295"/>
+              <a:defRPr sz="2000"/>
             </a:lvl5pPr>
             <a:lvl6pPr>
-              <a:defRPr sz="2000" smtId="4294967295"/>
+              <a:defRPr sz="2000"/>
             </a:lvl6pPr>
             <a:lvl7pPr>
-              <a:defRPr sz="2000" smtId="4294967295"/>
+              <a:defRPr sz="2000"/>
             </a:lvl7pPr>
             <a:lvl8pPr>
-              <a:defRPr sz="2000" smtId="4294967295"/>
+              <a:defRPr sz="2000"/>
             </a:lvl8pPr>
             <a:lvl9pPr>
-              <a:defRPr sz="2000" smtId="4294967295"/>
+              <a:defRPr sz="2000"/>
             </a:lvl9pPr>
           </a:lstStyle>
           <a:p>
             <a:r>
-              <a:rPr lang="en-US" smtClean="0" smtId="4294967295"/>
+              <a:rPr lang="en-US" smtClean="0"/>
               <a:t>Click to edit Master text styles</a:t>
             </a:r>
           </a:p>
           <a:p>
             <a:pPr lvl="1"/>
             <a:r>
-              <a:rPr lang="en-US" smtClean="0" smtId="4294967295"/>
+              <a:rPr lang="en-US" smtClean="0"/>
               <a:t>Second level</a:t>
             </a:r>
           </a:p>
           <a:p>
             <a:pPr lvl="2"/>
             <a:r>
-              <a:rPr lang="en-US" smtClean="0" smtId="4294967295"/>
+              <a:rPr lang="en-US" smtClean="0"/>
               <a:t>Third level</a:t>
             </a:r>
           </a:p>
           <a:p>
             <a:pPr lvl="3"/>
             <a:r>
-              <a:rPr lang="en-US" smtClean="0" smtId="4294967295"/>
+              <a:rPr lang="en-US" smtClean="0"/>
               <a:t>Fourth level</a:t>
             </a:r>
           </a:p>
           <a:p>
             <a:pPr lvl="4"/>
             <a:r>
-              <a:rPr lang="en-US" smtClean="0" smtId="4294967295"/>
+              <a:rPr lang="en-US" smtClean="0"/>
               <a:t>Fifth level</a:t>
             </a:r>
-            <a:endParaRPr lang="en-US" smtId="4294967295"/>
+            <a:endParaRPr lang="en-US"/>
           </a:p>
         </p:txBody>
       </p:sp>
@@ -4497,44 +4497,44 @@
           <a:lstStyle>
             <a:lvl1pPr marL="0" indent="0">
               <a:buNone/>
-              <a:defRPr sz="1400" smtId="4294967295"/>
+              <a:defRPr sz="1400"/>
             </a:lvl1pPr>
             <a:lvl2pPr marL="457200" indent="0">
               <a:buNone/>
-              <a:defRPr sz="1200" smtId="4294967295"/>
+              <a:defRPr sz="1200"/>
             </a:lvl2pPr>
             <a:lvl3pPr marL="914400" indent="0">
               <a:buNone/>
-              <a:defRPr sz="1000" smtId="4294967295"/>
+              <a:defRPr sz="1000"/>
             </a:lvl3pPr>
             <a:lvl4pPr marL="1371600" indent="0">
               <a:buNone/>
-              <a:defRPr sz="900" smtId="4294967295"/>
+              <a:defRPr sz="900"/>
             </a:lvl4pPr>
             <a:lvl5pPr marL="1828800" indent="0">
               <a:buNone/>
-              <a:defRPr sz="900" smtId="4294967295"/>
+              <a:defRPr sz="900"/>
             </a:lvl5pPr>
             <a:lvl6pPr marL="2286000" indent="0">
               <a:buNone/>
-              <a:defRPr sz="900" smtId="4294967295"/>
+              <a:defRPr sz="900"/>
             </a:lvl6pPr>
             <a:lvl7pPr marL="2743200" indent="0">
               <a:buNone/>
-              <a:defRPr sz="900" smtId="4294967295"/>
+              <a:defRPr sz="900"/>
             </a:lvl7pPr>
             <a:lvl8pPr marL="3200400" indent="0">
               <a:buNone/>
-              <a:defRPr sz="900" smtId="4294967295"/>
+              <a:defRPr sz="900"/>
             </a:lvl8pPr>
             <a:lvl9pPr marL="3657600" indent="0">
               <a:buNone/>
-              <a:defRPr sz="900" smtId="4294967295"/>
+              <a:defRPr sz="900"/>
             </a:lvl9pPr>
           </a:lstStyle>
           <a:p>
             <a:r>
-              <a:rPr lang="en-US" smtClean="0" smtId="4294967295"/>
+              <a:rPr lang="en-US" smtClean="0"/>
               <a:t>Click to edit Master text styles</a:t>
             </a:r>
           </a:p>
@@ -4555,11 +4555,11 @@
           <a:bodyPr/>
           <a:lstStyle/>
           <a:p>
-            <a:fld id="{E8FD0B7A-F5DD-4F40-B4CB-3B2C354B893A}" type="datetimeFigureOut">
-              <a:rPr lang="en-US" smtClean="0" smtId="4294967295"/>
-              <a:t>Date</a:t>
+            <a:fld id="{8D3ED1D7-F4AA-4ADB-8CA3-829C083F9A27}" type="datetimeFigureOut">
+              <a:rPr lang="en-US" smtClean="0"/>
+              <a:t>11/7/2009</a:t>
             </a:fld>
-            <a:endParaRPr lang="en-US" smtId="4294967295"/>
+            <a:endParaRPr lang="en-US"/>
           </a:p>
         </p:txBody>
       </p:sp>
@@ -4578,7 +4578,7 @@
           <a:bodyPr/>
           <a:lstStyle/>
           <a:p>
-            <a:endParaRPr lang="en-US" smtId="4294967295"/>
+            <a:endParaRPr lang="en-US"/>
           </a:p>
         </p:txBody>
       </p:sp>
@@ -4598,10 +4598,10 @@
           <a:lstStyle/>
           <a:p>
             <a:fld id="{93AE1883-0942-4AA3-9DB2-9C7C3A0314B1}" type="slidenum">
-              <a:rPr lang="en-US" smtClean="0" smtId="4294967295"/>
+              <a:rPr lang="en-US" smtClean="0"/>
               <a:t>‹#›</a:t>
             </a:fld>
-            <a:endParaRPr lang="en-US" smtId="4294967295"/>
+            <a:endParaRPr lang="en-US"/>
           </a:p>
         </p:txBody>
       </p:sp>
@@ -4616,7 +4616,7 @@
 </file>
 
 <file path=ppt/slideLayouts/slideLayout9.xml><?xml version="1.0" encoding="utf-8"?>
-<p:sldLayout xmlns:a="http://schemas.openxmlformats.org/drawingml/2006/main" xmlns:r="http://schemas.openxmlformats.org/officeDocument/2006/relationships" xmlns:p14="http://schemas.microsoft.com/office/powerpoint/2010/main" xmlns:p15="http://schemas.microsoft.com/office/powerpoint/2012/main" xmlns:p="http://schemas.openxmlformats.org/presentationml/2006/main" type="picTx" preserve="1">
+<p:sldLayout xmlns:a="http://schemas.openxmlformats.org/drawingml/2006/main" xmlns:r="http://schemas.openxmlformats.org/officeDocument/2006/relationships" xmlns:m="http://schemas.openxmlformats.org/officeDocument/2006/math" xmlns:w="http://schemas.openxmlformats.org/wordprocessingml/2006/main" xmlns:wp="http://schemas.openxmlformats.org/drawingml/2006/wordprocessingDrawing" xmlns:a14="http://schemas.microsoft.com/office/drawing/2010/main" xmlns:p14="http://schemas.microsoft.com/office/powerpoint/2010/main" xmlns:p15="http://schemas.microsoft.com/office/powerpoint/2012/main" xmlns:p159="http://schemas.microsoft.com/office/powerpoint/2015/09/main" xmlns:p="http://schemas.openxmlformats.org/presentationml/2006/main" type="picTx" preserve="1">
   <p:cSld name="Picture with Caption">
     <p:spTree>
       <p:nvGrpSpPr>
@@ -4645,15 +4645,15 @@
           <a:bodyPr anchor="b"/>
           <a:lstStyle>
             <a:lvl1pPr algn="l">
-              <a:defRPr sz="2000" b="1" smtId="4294967295"/>
+              <a:defRPr sz="2000" b="1"/>
             </a:lvl1pPr>
           </a:lstStyle>
           <a:p>
             <a:r>
-              <a:rPr lang="en-US" smtClean="0" smtId="4294967295"/>
+              <a:rPr lang="en-US" smtClean="0"/>
               <a:t>Click to edit Master title style</a:t>
             </a:r>
-            <a:endParaRPr lang="en-US" smtId="4294967295"/>
+            <a:endParaRPr lang="en-US"/>
           </a:p>
         </p:txBody>
       </p:sp>
@@ -4673,43 +4673,43 @@
           <a:lstStyle>
             <a:lvl1pPr marL="0" indent="0">
               <a:buNone/>
-              <a:defRPr sz="3200" smtId="4294967295"/>
+              <a:defRPr sz="3200"/>
             </a:lvl1pPr>
             <a:lvl2pPr marL="457200" indent="0">
               <a:buNone/>
-              <a:defRPr sz="2800" smtId="4294967295"/>
+              <a:defRPr sz="2800"/>
             </a:lvl2pPr>
             <a:lvl3pPr marL="914400" indent="0">
               <a:buNone/>
-              <a:defRPr sz="2400" smtId="4294967295"/>
+              <a:defRPr sz="2400"/>
             </a:lvl3pPr>
             <a:lvl4pPr marL="1371600" indent="0">
               <a:buNone/>
-              <a:defRPr sz="2000" smtId="4294967295"/>
+              <a:defRPr sz="2000"/>
             </a:lvl4pPr>
             <a:lvl5pPr marL="1828800" indent="0">
               <a:buNone/>
-              <a:defRPr sz="2000" smtId="4294967295"/>
+              <a:defRPr sz="2000"/>
             </a:lvl5pPr>
             <a:lvl6pPr marL="2286000" indent="0">
               <a:buNone/>
-              <a:defRPr sz="2000" smtId="4294967295"/>
+              <a:defRPr sz="2000"/>
             </a:lvl6pPr>
             <a:lvl7pPr marL="2743200" indent="0">
               <a:buNone/>
-              <a:defRPr sz="2000" smtId="4294967295"/>
+              <a:defRPr sz="2000"/>
             </a:lvl7pPr>
             <a:lvl8pPr marL="3200400" indent="0">
               <a:buNone/>
-              <a:defRPr sz="2000" smtId="4294967295"/>
+              <a:defRPr sz="2000"/>
             </a:lvl8pPr>
             <a:lvl9pPr marL="3657600" indent="0">
               <a:buNone/>
-              <a:defRPr sz="2000" smtId="4294967295"/>
+              <a:defRPr sz="2000"/>
             </a:lvl9pPr>
           </a:lstStyle>
           <a:p>
-            <a:endParaRPr lang="en-US" smtId="4294967295"/>
+            <a:endParaRPr lang="en-US"/>
           </a:p>
         </p:txBody>
       </p:sp>
@@ -4729,44 +4729,44 @@
           <a:lstStyle>
             <a:lvl1pPr marL="0" indent="0">
               <a:buNone/>
-              <a:defRPr sz="1400" smtId="4294967295"/>
+              <a:defRPr sz="1400"/>
             </a:lvl1pPr>
             <a:lvl2pPr marL="457200" indent="0">
               <a:buNone/>
-              <a:defRPr sz="1200" smtId="4294967295"/>
+              <a:defRPr sz="1200"/>
             </a:lvl2pPr>
             <a:lvl3pPr marL="914400" indent="0">
               <a:buNone/>
-              <a:defRPr sz="1000" smtId="4294967295"/>
+              <a:defRPr sz="1000"/>
             </a:lvl3pPr>
             <a:lvl4pPr marL="1371600" indent="0">
               <a:buNone/>
-              <a:defRPr sz="900" smtId="4294967295"/>
+              <a:defRPr sz="900"/>
             </a:lvl4pPr>
             <a:lvl5pPr marL="1828800" indent="0">
               <a:buNone/>
-              <a:defRPr sz="900" smtId="4294967295"/>
+              <a:defRPr sz="900"/>
             </a:lvl5pPr>
             <a:lvl6pPr marL="2286000" indent="0">
               <a:buNone/>
-              <a:defRPr sz="900" smtId="4294967295"/>
+              <a:defRPr sz="900"/>
             </a:lvl6pPr>
             <a:lvl7pPr marL="2743200" indent="0">
               <a:buNone/>
-              <a:defRPr sz="900" smtId="4294967295"/>
+              <a:defRPr sz="900"/>
             </a:lvl7pPr>
             <a:lvl8pPr marL="3200400" indent="0">
               <a:buNone/>
-              <a:defRPr sz="900" smtId="4294967295"/>
+              <a:defRPr sz="900"/>
             </a:lvl8pPr>
             <a:lvl9pPr marL="3657600" indent="0">
               <a:buNone/>
-              <a:defRPr sz="900" smtId="4294967295"/>
+              <a:defRPr sz="900"/>
             </a:lvl9pPr>
           </a:lstStyle>
           <a:p>
             <a:r>
-              <a:rPr lang="en-US" smtClean="0" smtId="4294967295"/>
+              <a:rPr lang="en-US" smtClean="0"/>
               <a:t>Click to edit Master text styles</a:t>
             </a:r>
           </a:p>
@@ -4787,11 +4787,11 @@
           <a:bodyPr/>
           <a:lstStyle/>
           <a:p>
-            <a:fld id="{E8FD0B7A-F5DD-4F40-B4CB-3B2C354B893A}" type="datetimeFigureOut">
-              <a:rPr lang="en-US" smtClean="0" smtId="4294967295"/>
-              <a:t>Date</a:t>
+            <a:fld id="{33C39121-1197-4693-98E8-D8C01DE82003}" type="datetimeFigureOut">
+              <a:rPr lang="en-US" smtClean="0"/>
+              <a:t>11/7/2009</a:t>
             </a:fld>
-            <a:endParaRPr lang="en-US" smtId="4294967295"/>
+            <a:endParaRPr lang="en-US"/>
           </a:p>
         </p:txBody>
       </p:sp>
@@ -4810,7 +4810,7 @@
           <a:bodyPr/>
           <a:lstStyle/>
           <a:p>
-            <a:endParaRPr lang="en-US" smtId="4294967295"/>
+            <a:endParaRPr lang="en-US"/>
           </a:p>
         </p:txBody>
       </p:sp>
@@ -4830,10 +4830,10 @@
           <a:lstStyle/>
           <a:p>
             <a:fld id="{93AE1883-0942-4AA3-9DB2-9C7C3A0314B1}" type="slidenum">
-              <a:rPr lang="en-US" smtClean="0" smtId="4294967295"/>
+              <a:rPr lang="en-US" smtClean="0"/>
               <a:t>‹#›</a:t>
             </a:fld>
-            <a:endParaRPr lang="en-US" smtId="4294967295"/>
+            <a:endParaRPr lang="en-US"/>
           </a:p>
         </p:txBody>
       </p:sp>
@@ -4848,8 +4848,8 @@
 </file>
 
 <file path=ppt/slideMasters/slideMaster1.xml><?xml version="1.0" encoding="utf-8"?>
-<p:sldMaster xmlns:a="http://schemas.openxmlformats.org/drawingml/2006/main" xmlns:r="http://schemas.openxmlformats.org/officeDocument/2006/relationships" xmlns:p14="http://schemas.microsoft.com/office/powerpoint/2010/main" xmlns:p15="http://schemas.microsoft.com/office/powerpoint/2012/main" xmlns:p="http://schemas.openxmlformats.org/presentationml/2006/main">
-  <p:cSld name="">
+<p:sldMaster xmlns:a="http://schemas.openxmlformats.org/drawingml/2006/main" xmlns:r="http://schemas.openxmlformats.org/officeDocument/2006/relationships" xmlns:m="http://schemas.openxmlformats.org/officeDocument/2006/math" xmlns:w="http://schemas.openxmlformats.org/wordprocessingml/2006/main" xmlns:wp="http://schemas.openxmlformats.org/drawingml/2006/wordprocessingDrawing" xmlns:a14="http://schemas.microsoft.com/office/drawing/2010/main" xmlns:p14="http://schemas.microsoft.com/office/powerpoint/2010/main" xmlns:p15="http://schemas.microsoft.com/office/powerpoint/2012/main" xmlns:p159="http://schemas.microsoft.com/office/powerpoint/2015/09/main" xmlns:p="http://schemas.openxmlformats.org/presentationml/2006/main">
+  <p:cSld>
     <p:bg>
       <p:bgRef idx="1001">
         <a:schemeClr val="bg1"/>
@@ -4893,10 +4893,10 @@
           <a:lstStyle/>
           <a:p>
             <a:r>
-              <a:rPr lang="en-US" smtClean="0" smtId="4294967295"/>
+              <a:rPr lang="en-US" smtClean="0"/>
               <a:t>Click to edit Master title style</a:t>
             </a:r>
-            <a:endParaRPr lang="en-US" smtId="4294967295"/>
+            <a:endParaRPr lang="en-US"/>
           </a:p>
         </p:txBody>
       </p:sp>
@@ -4926,38 +4926,38 @@
           <a:lstStyle/>
           <a:p>
             <a:r>
-              <a:rPr lang="en-US" smtClean="0" smtId="4294967295"/>
+              <a:rPr lang="en-US" smtClean="0"/>
               <a:t>Click to edit Master text styles</a:t>
             </a:r>
           </a:p>
           <a:p>
             <a:pPr lvl="1"/>
             <a:r>
-              <a:rPr lang="en-US" smtClean="0" smtId="4294967295"/>
+              <a:rPr lang="en-US" smtClean="0"/>
               <a:t>Second level</a:t>
             </a:r>
           </a:p>
           <a:p>
             <a:pPr lvl="2"/>
             <a:r>
-              <a:rPr lang="en-US" smtClean="0" smtId="4294967295"/>
+              <a:rPr lang="en-US" smtClean="0"/>
               <a:t>Third level</a:t>
             </a:r>
           </a:p>
           <a:p>
             <a:pPr lvl="3"/>
             <a:r>
-              <a:rPr lang="en-US" smtClean="0" smtId="4294967295"/>
+              <a:rPr lang="en-US" smtClean="0"/>
               <a:t>Fourth level</a:t>
             </a:r>
           </a:p>
           <a:p>
             <a:pPr lvl="4"/>
             <a:r>
-              <a:rPr lang="en-US" smtClean="0" smtId="4294967295"/>
+              <a:rPr lang="en-US" smtClean="0"/>
               <a:t>Fifth level</a:t>
             </a:r>
-            <a:endParaRPr lang="en-US" smtId="4294967295"/>
+            <a:endParaRPr lang="en-US"/>
           </a:p>
         </p:txBody>
       </p:sp>
@@ -4984,7 +4984,7 @@
           <a:bodyPr vert="horz" lIns="91440" tIns="45720" rIns="91440" bIns="45720" rtlCol="0" anchor="ctr"/>
           <a:lstStyle>
             <a:lvl1pPr algn="l">
-              <a:defRPr sz="1200" smtId="4294967295">
+              <a:defRPr sz="1200">
                 <a:solidFill>
                   <a:schemeClr val="tx1">
                     <a:tint val="75000"/>
@@ -4995,10 +4995,10 @@
           </a:lstStyle>
           <a:p>
             <a:fld id="{E8FD0B7A-F5DD-4F40-B4CB-3B2C354B893A}" type="datetimeFigureOut">
-              <a:rPr lang="en-US" smtClean="0" smtId="4294967295"/>
+              <a:rPr lang="en-US" smtClean="0"/>
               <a:t>11/7/2009</a:t>
             </a:fld>
-            <a:endParaRPr lang="en-US" smtId="4294967295"/>
+            <a:endParaRPr lang="en-US"/>
           </a:p>
         </p:txBody>
       </p:sp>
@@ -5025,7 +5025,7 @@
           <a:bodyPr vert="horz" lIns="91440" tIns="45720" rIns="91440" bIns="45720" rtlCol="0" anchor="ctr"/>
           <a:lstStyle>
             <a:lvl1pPr algn="ctr">
-              <a:defRPr sz="1200" smtId="4294967295">
+              <a:defRPr sz="1200">
                 <a:solidFill>
                   <a:schemeClr val="tx1">
                     <a:tint val="75000"/>
@@ -5035,7 +5035,7 @@
             </a:lvl1pPr>
           </a:lstStyle>
           <a:p>
-            <a:endParaRPr lang="en-US" smtId="4294967295"/>
+            <a:endParaRPr lang="en-US"/>
           </a:p>
         </p:txBody>
       </p:sp>
@@ -5062,7 +5062,7 @@
           <a:bodyPr vert="horz" lIns="91440" tIns="45720" rIns="91440" bIns="45720" rtlCol="0" anchor="ctr"/>
           <a:lstStyle>
             <a:lvl1pPr algn="r">
-              <a:defRPr sz="1200" smtId="4294967295">
+              <a:defRPr sz="1200">
                 <a:solidFill>
                   <a:schemeClr val="tx1">
                     <a:tint val="75000"/>
@@ -5073,10 +5073,10 @@
           </a:lstStyle>
           <a:p>
             <a:fld id="{93AE1883-0942-4AA3-9DB2-9C7C3A0314B1}" type="slidenum">
-              <a:rPr lang="en-US" smtClean="0" smtId="4294967295"/>
+              <a:rPr lang="en-US" smtClean="0"/>
               <a:t>‹#›</a:t>
             </a:fld>
-            <a:endParaRPr lang="en-US" smtId="4294967295"/>
+            <a:endParaRPr lang="en-US"/>
           </a:p>
         </p:txBody>
       </p:sp>
@@ -5105,7 +5105,7 @@
           <a:spcPct val="0"/>
         </a:spcBef>
         <a:buNone/>
-        <a:defRPr sz="4400" kern="1200" smtId="4294967295">
+        <a:defRPr sz="4400" kern="1200">
           <a:solidFill>
             <a:schemeClr val="tx1"/>
           </a:solidFill>
@@ -5122,7 +5122,7 @@
         </a:spcBef>
         <a:buFont typeface="Arial" pitchFamily="34" charset="0"/>
         <a:buChar char="•"/>
-        <a:defRPr sz="3200" kern="1200" smtId="4294967295">
+        <a:defRPr sz="3200" kern="1200">
           <a:solidFill>
             <a:schemeClr val="tx1"/>
           </a:solidFill>
@@ -5137,7 +5137,7 @@
         </a:spcBef>
         <a:buFont typeface="Arial" pitchFamily="34" charset="0"/>
         <a:buChar char="–"/>
-        <a:defRPr sz="2800" kern="1200" smtId="4294967295">
+        <a:defRPr sz="2800" kern="1200">
           <a:solidFill>
             <a:schemeClr val="tx1"/>
           </a:solidFill>
@@ -5152,7 +5152,7 @@
         </a:spcBef>
         <a:buFont typeface="Arial" pitchFamily="34" charset="0"/>
         <a:buChar char="•"/>
-        <a:defRPr sz="2400" kern="1200" smtId="4294967295">
+        <a:defRPr sz="2400" kern="1200">
           <a:solidFill>
             <a:schemeClr val="tx1"/>
           </a:solidFill>
@@ -5167,7 +5167,7 @@
         </a:spcBef>
         <a:buFont typeface="Arial" pitchFamily="34" charset="0"/>
         <a:buChar char="–"/>
-        <a:defRPr sz="2000" kern="1200" smtId="4294967295">
+        <a:defRPr sz="2000" kern="1200">
           <a:solidFill>
             <a:schemeClr val="tx1"/>
           </a:solidFill>
@@ -5182,7 +5182,7 @@
         </a:spcBef>
         <a:buFont typeface="Arial" pitchFamily="34" charset="0"/>
         <a:buChar char="»"/>
-        <a:defRPr sz="2000" kern="1200" smtId="4294967295">
+        <a:defRPr sz="2000" kern="1200">
           <a:solidFill>
             <a:schemeClr val="tx1"/>
           </a:solidFill>
@@ -5197,7 +5197,7 @@
         </a:spcBef>
         <a:buFont typeface="Arial" pitchFamily="34" charset="0"/>
         <a:buChar char="•"/>
-        <a:defRPr sz="2000" kern="1200" smtId="4294967295">
+        <a:defRPr sz="2000" kern="1200">
           <a:solidFill>
             <a:schemeClr val="tx1"/>
           </a:solidFill>
@@ -5212,7 +5212,7 @@
         </a:spcBef>
         <a:buFont typeface="Arial" pitchFamily="34" charset="0"/>
         <a:buChar char="•"/>
-        <a:defRPr sz="2000" kern="1200" smtId="4294967295">
+        <a:defRPr sz="2000" kern="1200">
           <a:solidFill>
             <a:schemeClr val="tx1"/>
           </a:solidFill>
@@ -5227,7 +5227,7 @@
         </a:spcBef>
         <a:buFont typeface="Arial" pitchFamily="34" charset="0"/>
         <a:buChar char="•"/>
-        <a:defRPr sz="2000" kern="1200" smtId="4294967295">
+        <a:defRPr sz="2000" kern="1200">
           <a:solidFill>
             <a:schemeClr val="tx1"/>
           </a:solidFill>
@@ -5242,7 +5242,7 @@
         </a:spcBef>
         <a:buFont typeface="Arial" pitchFamily="34" charset="0"/>
         <a:buChar char="•"/>
-        <a:defRPr sz="2000" kern="1200" smtId="4294967295">
+        <a:defRPr sz="2000" kern="1200">
           <a:solidFill>
             <a:schemeClr val="tx1"/>
           </a:solidFill>
@@ -5254,10 +5254,10 @@
     </p:bodyStyle>
     <p:otherStyle>
       <a:defPPr>
-        <a:defRPr lang="en-US" smtId="4294967295"/>
+        <a:defRPr lang="en-US"/>
       </a:defPPr>
       <a:lvl1pPr marL="0" algn="l" defTabSz="914400" rtl="0" eaLnBrk="1" latinLnBrk="0" hangingPunct="1">
-        <a:defRPr sz="1800" kern="1200" smtId="4294967295">
+        <a:defRPr sz="1800" kern="1200">
           <a:solidFill>
             <a:schemeClr val="tx1"/>
           </a:solidFill>
@@ -5267,7 +5267,7 @@
         </a:defRPr>
       </a:lvl1pPr>
       <a:lvl2pPr marL="457200" algn="l" defTabSz="914400" rtl="0" eaLnBrk="1" latinLnBrk="0" hangingPunct="1">
-        <a:defRPr sz="1800" kern="1200" smtId="4294967295">
+        <a:defRPr sz="1800" kern="1200">
           <a:solidFill>
             <a:schemeClr val="tx1"/>
           </a:solidFill>
@@ -5277,7 +5277,7 @@
         </a:defRPr>
       </a:lvl2pPr>
       <a:lvl3pPr marL="914400" algn="l" defTabSz="914400" rtl="0" eaLnBrk="1" latinLnBrk="0" hangingPunct="1">
-        <a:defRPr sz="1800" kern="1200" smtId="4294967295">
+        <a:defRPr sz="1800" kern="1200">
           <a:solidFill>
             <a:schemeClr val="tx1"/>
           </a:solidFill>
@@ -5287,7 +5287,7 @@
         </a:defRPr>
       </a:lvl3pPr>
       <a:lvl4pPr marL="1371600" algn="l" defTabSz="914400" rtl="0" eaLnBrk="1" latinLnBrk="0" hangingPunct="1">
-        <a:defRPr sz="1800" kern="1200" smtId="4294967295">
+        <a:defRPr sz="1800" kern="1200">
           <a:solidFill>
             <a:schemeClr val="tx1"/>
           </a:solidFill>
@@ -5297,7 +5297,7 @@
         </a:defRPr>
       </a:lvl4pPr>
       <a:lvl5pPr marL="1828800" algn="l" defTabSz="914400" rtl="0" eaLnBrk="1" latinLnBrk="0" hangingPunct="1">
-        <a:defRPr sz="1800" kern="1200" smtId="4294967295">
+        <a:defRPr sz="1800" kern="1200">
           <a:solidFill>
             <a:schemeClr val="tx1"/>
           </a:solidFill>
@@ -5307,7 +5307,7 @@
         </a:defRPr>
       </a:lvl5pPr>
       <a:lvl6pPr marL="2286000" algn="l" defTabSz="914400" rtl="0" eaLnBrk="1" latinLnBrk="0" hangingPunct="1">
-        <a:defRPr sz="1800" kern="1200" smtId="4294967295">
+        <a:defRPr sz="1800" kern="1200">
           <a:solidFill>
             <a:schemeClr val="tx1"/>
           </a:solidFill>
@@ -5317,7 +5317,7 @@
         </a:defRPr>
       </a:lvl6pPr>
       <a:lvl7pPr marL="2743200" algn="l" defTabSz="914400" rtl="0" eaLnBrk="1" latinLnBrk="0" hangingPunct="1">
-        <a:defRPr sz="1800" kern="1200" smtId="4294967295">
+        <a:defRPr sz="1800" kern="1200">
           <a:solidFill>
             <a:schemeClr val="tx1"/>
           </a:solidFill>
@@ -5327,7 +5327,7 @@
         </a:defRPr>
       </a:lvl7pPr>
       <a:lvl8pPr marL="3200400" algn="l" defTabSz="914400" rtl="0" eaLnBrk="1" latinLnBrk="0" hangingPunct="1">
-        <a:defRPr sz="1800" kern="1200" smtId="4294967295">
+        <a:defRPr sz="1800" kern="1200">
           <a:solidFill>
             <a:schemeClr val="tx1"/>
           </a:solidFill>
@@ -5337,7 +5337,7 @@
         </a:defRPr>
       </a:lvl8pPr>
       <a:lvl9pPr marL="3657600" algn="l" defTabSz="914400" rtl="0" eaLnBrk="1" latinLnBrk="0" hangingPunct="1">
-        <a:defRPr sz="1800" kern="1200" smtId="4294967295">
+        <a:defRPr sz="1800" kern="1200">
           <a:solidFill>
             <a:schemeClr val="tx1"/>
           </a:solidFill>
@@ -5352,7 +5352,7 @@
 </file>
 
 <file path=ppt/slideMasters/slideMaster2.xml><?xml version="1.0" encoding="utf-8"?>
-<p:sldMaster xmlns:a="http://schemas.openxmlformats.org/drawingml/2006/main" xmlns:r="http://schemas.openxmlformats.org/officeDocument/2006/relationships" xmlns:p14="http://schemas.microsoft.com/office/powerpoint/2010/main" xmlns:p15="http://schemas.microsoft.com/office/powerpoint/2012/main" xmlns:p="http://schemas.openxmlformats.org/presentationml/2006/main">
+<p:sldMaster xmlns:a="http://schemas.openxmlformats.org/drawingml/2006/main" xmlns:r="http://schemas.openxmlformats.org/officeDocument/2006/relationships" xmlns:m="http://schemas.openxmlformats.org/officeDocument/2006/math" xmlns:w="http://schemas.openxmlformats.org/wordprocessingml/2006/main" xmlns:wp="http://schemas.openxmlformats.org/drawingml/2006/wordprocessingDrawing" xmlns:a14="http://schemas.microsoft.com/office/drawing/2010/main" xmlns:p14="http://schemas.microsoft.com/office/powerpoint/2010/main" xmlns:p15="http://schemas.microsoft.com/office/powerpoint/2012/main" xmlns:p159="http://schemas.microsoft.com/office/powerpoint/2015/09/main" xmlns:p="http://schemas.openxmlformats.org/presentationml/2006/main">
   <p:cSld>
     <p:bg>
       <p:bgRef idx="1001">
@@ -5489,7 +5489,7 @@
           <a:bodyPr vert="horz" lIns="91440" tIns="45720" rIns="91440" bIns="45720" rtlCol="0" anchor="ctr"/>
           <a:lstStyle>
             <a:defPPr>
-              <a:defRPr lang="en-US" smtId="4294967295"/>
+              <a:defRPr lang="en-US"/>
             </a:defPPr>
             <a:lvl1pPr marL="0" algn="l" defTabSz="914400" rtl="0" eaLnBrk="1" latinLnBrk="0" hangingPunct="1">
               <a:defRPr sz="1200" kern="1200">
@@ -5503,76 +5503,6 @@
                 <a:cs typeface="+mn-cs"/>
               </a:defRPr>
             </a:lvl1pPr>
-            <a:lvl2pPr marL="457200" algn="l" defTabSz="914400" rtl="0" eaLnBrk="1" latinLnBrk="0" hangingPunct="1">
-              <a:defRPr sz="1800" kern="1200" smtId="4294967295">
-                <a:solidFill>
-                  <a:schemeClr val="tx1"/>
-                </a:solidFill>
-                <a:latin typeface="+mn-lt"/>
-                <a:ea typeface="+mn-ea"/>
-                <a:cs typeface="+mn-cs"/>
-              </a:defRPr>
-            </a:lvl2pPr>
-            <a:lvl3pPr marL="914400" algn="l" defTabSz="914400" rtl="0" eaLnBrk="1" latinLnBrk="0" hangingPunct="1">
-              <a:defRPr sz="1800" kern="1200" smtId="4294967295">
-                <a:solidFill>
-                  <a:schemeClr val="tx1"/>
-                </a:solidFill>
-                <a:latin typeface="+mn-lt"/>
-                <a:ea typeface="+mn-ea"/>
-                <a:cs typeface="+mn-cs"/>
-              </a:defRPr>
-            </a:lvl3pPr>
-            <a:lvl4pPr marL="1371600" algn="l" defTabSz="914400" rtl="0" eaLnBrk="1" latinLnBrk="0" hangingPunct="1">
-              <a:defRPr sz="1800" kern="1200" smtId="4294967295">
-                <a:solidFill>
-                  <a:schemeClr val="tx1"/>
-                </a:solidFill>
-                <a:latin typeface="+mn-lt"/>
-                <a:ea typeface="+mn-ea"/>
-                <a:cs typeface="+mn-cs"/>
-              </a:defRPr>
-            </a:lvl4pPr>
-            <a:lvl5pPr marL="1828800" algn="l" defTabSz="914400" rtl="0" eaLnBrk="1" latinLnBrk="0" hangingPunct="1">
-              <a:defRPr sz="1800" kern="1200" smtId="4294967295">
-                <a:solidFill>
-                  <a:schemeClr val="tx1"/>
-                </a:solidFill>
-                <a:latin typeface="+mn-lt"/>
-                <a:ea typeface="+mn-ea"/>
-                <a:cs typeface="+mn-cs"/>
-              </a:defRPr>
-            </a:lvl5pPr>
-            <a:lvl6pPr marL="2286000" algn="l" defTabSz="914400" rtl="0" eaLnBrk="1" latinLnBrk="0" hangingPunct="1">
-              <a:defRPr sz="1800" kern="1200" smtId="4294967295">
-                <a:solidFill>
-                  <a:schemeClr val="tx1"/>
-                </a:solidFill>
-                <a:latin typeface="+mn-lt"/>
-                <a:ea typeface="+mn-ea"/>
-                <a:cs typeface="+mn-cs"/>
-              </a:defRPr>
-            </a:lvl6pPr>
-            <a:lvl7pPr marL="2743200" algn="l" defTabSz="914400" rtl="0" eaLnBrk="1" latinLnBrk="0" hangingPunct="1">
-              <a:defRPr sz="1800" kern="1200" smtId="4294967295">
-                <a:solidFill>
-                  <a:schemeClr val="tx1"/>
-                </a:solidFill>
-                <a:latin typeface="+mn-lt"/>
-                <a:ea typeface="+mn-ea"/>
-                <a:cs typeface="+mn-cs"/>
-              </a:defRPr>
-            </a:lvl7pPr>
-            <a:lvl8pPr marL="3200400" algn="l" defTabSz="914400" rtl="0" eaLnBrk="1" latinLnBrk="0" hangingPunct="1">
-              <a:defRPr sz="1800" kern="1200" smtId="4294967295">
-                <a:solidFill>
-                  <a:schemeClr val="tx1"/>
-                </a:solidFill>
-                <a:latin typeface="+mn-lt"/>
-                <a:ea typeface="+mn-ea"/>
-                <a:cs typeface="+mn-cs"/>
-              </a:defRPr>
-            </a:lvl8pPr>
           </a:lstStyle>
           <a:p>
             <a:fld id="{1D8BD707-D9CF-40AE-B4C6-C98DA3205C09}" type="datetimeFigureOut">
@@ -5606,7 +5536,7 @@
           <a:bodyPr vert="horz" lIns="91440" tIns="45720" rIns="91440" bIns="45720" rtlCol="0" anchor="ctr"/>
           <a:lstStyle>
             <a:defPPr>
-              <a:defRPr lang="en-US" smtId="4294967295"/>
+              <a:defRPr lang="en-US"/>
             </a:defPPr>
             <a:lvl1pPr marL="0" algn="ctr" defTabSz="914400" rtl="0" eaLnBrk="1" latinLnBrk="0" hangingPunct="1">
               <a:defRPr sz="1200" kern="1200">
@@ -5620,76 +5550,6 @@
                 <a:cs typeface="+mn-cs"/>
               </a:defRPr>
             </a:lvl1pPr>
-            <a:lvl2pPr marL="457200" algn="l" defTabSz="914400" rtl="0" eaLnBrk="1" latinLnBrk="0" hangingPunct="1">
-              <a:defRPr sz="1800" kern="1200" smtId="4294967295">
-                <a:solidFill>
-                  <a:schemeClr val="tx1"/>
-                </a:solidFill>
-                <a:latin typeface="+mn-lt"/>
-                <a:ea typeface="+mn-ea"/>
-                <a:cs typeface="+mn-cs"/>
-              </a:defRPr>
-            </a:lvl2pPr>
-            <a:lvl3pPr marL="914400" algn="l" defTabSz="914400" rtl="0" eaLnBrk="1" latinLnBrk="0" hangingPunct="1">
-              <a:defRPr sz="1800" kern="1200" smtId="4294967295">
-                <a:solidFill>
-                  <a:schemeClr val="tx1"/>
-                </a:solidFill>
-                <a:latin typeface="+mn-lt"/>
-                <a:ea typeface="+mn-ea"/>
-                <a:cs typeface="+mn-cs"/>
-              </a:defRPr>
-            </a:lvl3pPr>
-            <a:lvl4pPr marL="1371600" algn="l" defTabSz="914400" rtl="0" eaLnBrk="1" latinLnBrk="0" hangingPunct="1">
-              <a:defRPr sz="1800" kern="1200" smtId="4294967295">
-                <a:solidFill>
-                  <a:schemeClr val="tx1"/>
-                </a:solidFill>
-                <a:latin typeface="+mn-lt"/>
-                <a:ea typeface="+mn-ea"/>
-                <a:cs typeface="+mn-cs"/>
-              </a:defRPr>
-            </a:lvl4pPr>
-            <a:lvl5pPr marL="1828800" algn="l" defTabSz="914400" rtl="0" eaLnBrk="1" latinLnBrk="0" hangingPunct="1">
-              <a:defRPr sz="1800" kern="1200" smtId="4294967295">
-                <a:solidFill>
-                  <a:schemeClr val="tx1"/>
-                </a:solidFill>
-                <a:latin typeface="+mn-lt"/>
-                <a:ea typeface="+mn-ea"/>
-                <a:cs typeface="+mn-cs"/>
-              </a:defRPr>
-            </a:lvl5pPr>
-            <a:lvl6pPr marL="2286000" algn="l" defTabSz="914400" rtl="0" eaLnBrk="1" latinLnBrk="0" hangingPunct="1">
-              <a:defRPr sz="1800" kern="1200" smtId="4294967295">
-                <a:solidFill>
-                  <a:schemeClr val="tx1"/>
-                </a:solidFill>
-                <a:latin typeface="+mn-lt"/>
-                <a:ea typeface="+mn-ea"/>
-                <a:cs typeface="+mn-cs"/>
-              </a:defRPr>
-            </a:lvl6pPr>
-            <a:lvl7pPr marL="2743200" algn="l" defTabSz="914400" rtl="0" eaLnBrk="1" latinLnBrk="0" hangingPunct="1">
-              <a:defRPr sz="1800" kern="1200" smtId="4294967295">
-                <a:solidFill>
-                  <a:schemeClr val="tx1"/>
-                </a:solidFill>
-                <a:latin typeface="+mn-lt"/>
-                <a:ea typeface="+mn-ea"/>
-                <a:cs typeface="+mn-cs"/>
-              </a:defRPr>
-            </a:lvl7pPr>
-            <a:lvl8pPr marL="3200400" algn="l" defTabSz="914400" rtl="0" eaLnBrk="1" latinLnBrk="0" hangingPunct="1">
-              <a:defRPr sz="1800" kern="1200" smtId="4294967295">
-                <a:solidFill>
-                  <a:schemeClr val="tx1"/>
-                </a:solidFill>
-                <a:latin typeface="+mn-lt"/>
-                <a:ea typeface="+mn-ea"/>
-                <a:cs typeface="+mn-cs"/>
-              </a:defRPr>
-            </a:lvl8pPr>
           </a:lstStyle>
           <a:p>
             <a:endParaRPr lang="en-US"/>
@@ -5719,7 +5579,7 @@
           <a:bodyPr vert="horz" lIns="91440" tIns="45720" rIns="91440" bIns="45720" rtlCol="0" anchor="ctr"/>
           <a:lstStyle>
             <a:defPPr>
-              <a:defRPr lang="en-US" smtId="4294967295"/>
+              <a:defRPr lang="en-US"/>
             </a:defPPr>
             <a:lvl1pPr marL="0" algn="r" defTabSz="914400" rtl="0" eaLnBrk="1" latinLnBrk="0" hangingPunct="1">
               <a:defRPr sz="1200" kern="1200">
@@ -5733,76 +5593,6 @@
                 <a:cs typeface="+mn-cs"/>
               </a:defRPr>
             </a:lvl1pPr>
-            <a:lvl2pPr marL="457200" algn="l" defTabSz="914400" rtl="0" eaLnBrk="1" latinLnBrk="0" hangingPunct="1">
-              <a:defRPr sz="1800" kern="1200" smtId="4294967295">
-                <a:solidFill>
-                  <a:schemeClr val="tx1"/>
-                </a:solidFill>
-                <a:latin typeface="+mn-lt"/>
-                <a:ea typeface="+mn-ea"/>
-                <a:cs typeface="+mn-cs"/>
-              </a:defRPr>
-            </a:lvl2pPr>
-            <a:lvl3pPr marL="914400" algn="l" defTabSz="914400" rtl="0" eaLnBrk="1" latinLnBrk="0" hangingPunct="1">
-              <a:defRPr sz="1800" kern="1200" smtId="4294967295">
-                <a:solidFill>
-                  <a:schemeClr val="tx1"/>
-                </a:solidFill>
-                <a:latin typeface="+mn-lt"/>
-                <a:ea typeface="+mn-ea"/>
-                <a:cs typeface="+mn-cs"/>
-              </a:defRPr>
-            </a:lvl3pPr>
-            <a:lvl4pPr marL="1371600" algn="l" defTabSz="914400" rtl="0" eaLnBrk="1" latinLnBrk="0" hangingPunct="1">
-              <a:defRPr sz="1800" kern="1200" smtId="4294967295">
-                <a:solidFill>
-                  <a:schemeClr val="tx1"/>
-                </a:solidFill>
-                <a:latin typeface="+mn-lt"/>
-                <a:ea typeface="+mn-ea"/>
-                <a:cs typeface="+mn-cs"/>
-              </a:defRPr>
-            </a:lvl4pPr>
-            <a:lvl5pPr marL="1828800" algn="l" defTabSz="914400" rtl="0" eaLnBrk="1" latinLnBrk="0" hangingPunct="1">
-              <a:defRPr sz="1800" kern="1200" smtId="4294967295">
-                <a:solidFill>
-                  <a:schemeClr val="tx1"/>
-                </a:solidFill>
-                <a:latin typeface="+mn-lt"/>
-                <a:ea typeface="+mn-ea"/>
-                <a:cs typeface="+mn-cs"/>
-              </a:defRPr>
-            </a:lvl5pPr>
-            <a:lvl6pPr marL="2286000" algn="l" defTabSz="914400" rtl="0" eaLnBrk="1" latinLnBrk="0" hangingPunct="1">
-              <a:defRPr sz="1800" kern="1200" smtId="4294967295">
-                <a:solidFill>
-                  <a:schemeClr val="tx1"/>
-                </a:solidFill>
-                <a:latin typeface="+mn-lt"/>
-                <a:ea typeface="+mn-ea"/>
-                <a:cs typeface="+mn-cs"/>
-              </a:defRPr>
-            </a:lvl6pPr>
-            <a:lvl7pPr marL="2743200" algn="l" defTabSz="914400" rtl="0" eaLnBrk="1" latinLnBrk="0" hangingPunct="1">
-              <a:defRPr sz="1800" kern="1200" smtId="4294967295">
-                <a:solidFill>
-                  <a:schemeClr val="tx1"/>
-                </a:solidFill>
-                <a:latin typeface="+mn-lt"/>
-                <a:ea typeface="+mn-ea"/>
-                <a:cs typeface="+mn-cs"/>
-              </a:defRPr>
-            </a:lvl7pPr>
-            <a:lvl8pPr marL="3200400" algn="l" defTabSz="914400" rtl="0" eaLnBrk="1" latinLnBrk="0" hangingPunct="1">
-              <a:defRPr sz="1800" kern="1200" smtId="4294967295">
-                <a:solidFill>
-                  <a:schemeClr val="tx1"/>
-                </a:solidFill>
-                <a:latin typeface="+mn-lt"/>
-                <a:ea typeface="+mn-ea"/>
-                <a:cs typeface="+mn-cs"/>
-              </a:defRPr>
-            </a:lvl8pPr>
           </a:lstStyle>
           <a:p>
             <a:fld id="{B6F15528-21DE-4FAA-801E-634DDDAF4B2B}" type="slidenum">
@@ -6085,7 +5875,7 @@
 </file>
 
 <file path=ppt/slides/slide1.xml><?xml version="1.0" encoding="utf-8"?>
-<p:sld xmlns:a="http://schemas.openxmlformats.org/drawingml/2006/main" xmlns:r="http://schemas.openxmlformats.org/officeDocument/2006/relationships" xmlns:p14="http://schemas.microsoft.com/office/powerpoint/2010/main" xmlns:p15="http://schemas.microsoft.com/office/powerpoint/2012/main" xmlns:p="http://schemas.openxmlformats.org/presentationml/2006/main">
+<p:sld xmlns:a="http://schemas.openxmlformats.org/drawingml/2006/main" xmlns:r="http://schemas.openxmlformats.org/officeDocument/2006/relationships" xmlns:m="http://schemas.openxmlformats.org/officeDocument/2006/math" xmlns:w="http://schemas.openxmlformats.org/wordprocessingml/2006/main" xmlns:wp="http://schemas.openxmlformats.org/drawingml/2006/wordprocessingDrawing" xmlns:a14="http://schemas.microsoft.com/office/drawing/2010/main" xmlns:p14="http://schemas.microsoft.com/office/powerpoint/2010/main" xmlns:p15="http://schemas.microsoft.com/office/powerpoint/2012/main" xmlns:p159="http://schemas.microsoft.com/office/powerpoint/2015/09/main" xmlns:p="http://schemas.openxmlformats.org/presentationml/2006/main">
   <p:cSld>
     <p:spTree>
       <p:nvGrpSpPr>
@@ -6101,7 +5891,7 @@
       </p:grpSpPr>
       <p:sp>
         <p:nvSpPr>
-          <p:cNvPr id="0" name="TextBox"/>
+          <p:cNvPr id="2" name="TextBox"/>
           <p:cNvSpPr txBox="1">
             <a:spLocks noGrp="1" noSelect="1" noRot="1" noMove="1"/>
           </p:cNvSpPr>
@@ -6123,7 +5913,7 @@
           </a:bodyPr>
           <a:lstStyle>
             <a:defPPr>
-              <a:defRPr lang="en-US" smtId="4294967295"/>
+              <a:defRPr lang="en-US"/>
             </a:defPPr>
             <a:lvl1pPr marL="0" algn="l" defTabSz="914400" rtl="0" eaLnBrk="1" latinLnBrk="0" hangingPunct="1">
               <a:lnSpc>
@@ -6154,76 +5944,6 @@
                 <a:cs typeface="+mn-cs"/>
               </a:defRPr>
             </a:lvl1pPr>
-            <a:lvl2pPr marL="457200" algn="l" defTabSz="914400" rtl="0" eaLnBrk="1" latinLnBrk="0" hangingPunct="1">
-              <a:defRPr sz="1800" kern="1200" smtId="4294967295">
-                <a:solidFill>
-                  <a:schemeClr val="tx1"/>
-                </a:solidFill>
-                <a:latin typeface="+mn-lt"/>
-                <a:ea typeface="+mn-ea"/>
-                <a:cs typeface="+mn-cs"/>
-              </a:defRPr>
-            </a:lvl2pPr>
-            <a:lvl3pPr marL="914400" algn="l" defTabSz="914400" rtl="0" eaLnBrk="1" latinLnBrk="0" hangingPunct="1">
-              <a:defRPr sz="1800" kern="1200" smtId="4294967295">
-                <a:solidFill>
-                  <a:schemeClr val="tx1"/>
-                </a:solidFill>
-                <a:latin typeface="+mn-lt"/>
-                <a:ea typeface="+mn-ea"/>
-                <a:cs typeface="+mn-cs"/>
-              </a:defRPr>
-            </a:lvl3pPr>
-            <a:lvl4pPr marL="1371600" algn="l" defTabSz="914400" rtl="0" eaLnBrk="1" latinLnBrk="0" hangingPunct="1">
-              <a:defRPr sz="1800" kern="1200" smtId="4294967295">
-                <a:solidFill>
-                  <a:schemeClr val="tx1"/>
-                </a:solidFill>
-                <a:latin typeface="+mn-lt"/>
-                <a:ea typeface="+mn-ea"/>
-                <a:cs typeface="+mn-cs"/>
-              </a:defRPr>
-            </a:lvl4pPr>
-            <a:lvl5pPr marL="1828800" algn="l" defTabSz="914400" rtl="0" eaLnBrk="1" latinLnBrk="0" hangingPunct="1">
-              <a:defRPr sz="1800" kern="1200" smtId="4294967295">
-                <a:solidFill>
-                  <a:schemeClr val="tx1"/>
-                </a:solidFill>
-                <a:latin typeface="+mn-lt"/>
-                <a:ea typeface="+mn-ea"/>
-                <a:cs typeface="+mn-cs"/>
-              </a:defRPr>
-            </a:lvl5pPr>
-            <a:lvl6pPr marL="2286000" algn="l" defTabSz="914400" rtl="0" eaLnBrk="1" latinLnBrk="0" hangingPunct="1">
-              <a:defRPr sz="1800" kern="1200" smtId="4294967295">
-                <a:solidFill>
-                  <a:schemeClr val="tx1"/>
-                </a:solidFill>
-                <a:latin typeface="+mn-lt"/>
-                <a:ea typeface="+mn-ea"/>
-                <a:cs typeface="+mn-cs"/>
-              </a:defRPr>
-            </a:lvl6pPr>
-            <a:lvl7pPr marL="2743200" algn="l" defTabSz="914400" rtl="0" eaLnBrk="1" latinLnBrk="0" hangingPunct="1">
-              <a:defRPr sz="1800" kern="1200" smtId="4294967295">
-                <a:solidFill>
-                  <a:schemeClr val="tx1"/>
-                </a:solidFill>
-                <a:latin typeface="+mn-lt"/>
-                <a:ea typeface="+mn-ea"/>
-                <a:cs typeface="+mn-cs"/>
-              </a:defRPr>
-            </a:lvl7pPr>
-            <a:lvl8pPr marL="3200400" algn="l" defTabSz="914400" rtl="0" eaLnBrk="1" latinLnBrk="0" hangingPunct="1">
-              <a:defRPr sz="1800" kern="1200" smtId="4294967295">
-                <a:solidFill>
-                  <a:schemeClr val="tx1"/>
-                </a:solidFill>
-                <a:latin typeface="+mn-lt"/>
-                <a:ea typeface="+mn-ea"/>
-                <a:cs typeface="+mn-cs"/>
-              </a:defRPr>
-            </a:lvl8pPr>
           </a:lstStyle>
           <a:p>
             <a:pPr algn="ctr"/>
@@ -6234,20 +5954,20 @@
           <a:p>
             <a:pPr algn="ctr"/>
             <a:r>
-              <a:t>Created with Aspose.Slides for Java 16.4.0.0.</a:t>
+              <a:t>Created with Aspose.Slides for Java 20.3.</a:t>
             </a:r>
           </a:p>
           <a:p>
             <a:pPr algn="ctr"/>
             <a:r>
-              <a:t>Copyright 2004-2016 Aspose Pty Ltd.</a:t>
-            </a:r>
-          </a:p>
-        </p:txBody>
-      </p:sp>
-      <p:sp>
-        <p:nvSpPr>
-          <p:cNvPr id="1" name="TextBox"/>
+              <a:t>Copyright 2004-2020 Aspose Pty Ltd.</a:t>
+            </a:r>
+          </a:p>
+        </p:txBody>
+      </p:sp>
+      <p:sp>
+        <p:nvSpPr>
+          <p:cNvPr id="3" name="TextBox"/>
           <p:cNvSpPr txBox="1">
             <a:spLocks noGrp="1" noSelect="1" noRot="1" noMove="1"/>
           </p:cNvSpPr>
@@ -6305,13 +6025,13 @@
           <a:p>
             <a:pPr algn="ctr"/>
             <a:r>
-              <a:t>Created with Aspose.Slides for Java 16.4.0.0.</a:t>
+              <a:t>Created with Aspose.Slides for Java 20.3.</a:t>
             </a:r>
           </a:p>
           <a:p>
             <a:pPr algn="ctr"/>
             <a:r>
-              <a:t>Copyright 2004-2016 Aspose Pty Ltd.</a:t>
+              <a:t>Copyright 2004-2020 Aspose Pty Ltd.</a:t>
             </a:r>
           </a:p>
         </p:txBody>
@@ -6374,10 +6094,10 @@
 
 <file path=ppt/tags/tag1.xml><?xml version="1.0" encoding="utf-8"?>
 <p:tagLst xmlns:p="http://schemas.openxmlformats.org/presentationml/2006/main">
-  <p:tag name="AS_OS" val="Mac OS X 10.11 unknown"/>
-  <p:tag name="AS_RELEASE_DATE" val="2016.05.16"/>
+  <p:tag name="AS_OS" val="Microsoft Windows NT 6.1 Service Pack 1"/>
+  <p:tag name="AS_RELEASE_DATE" val="2020.03.31"/>
   <p:tag name="AS_TITLE" val="Aspose.Slides for Java"/>
-  <p:tag name="AS_VERSION" val="16.4.0.0"/>
+  <p:tag name="AS_VERSION" val="20.3"/>
 </p:tagLst>
 </file>
 
@@ -6389,7 +6109,7 @@
         <a:sysClr val="windowText" lastClr="000000"/>
       </a:dk1>
       <a:lt1>
-        <a:sysClr val="window" lastClr="FFFEFF"/>
+        <a:sysClr val="window" lastClr="FFFFFF"/>
       </a:lt1>
       <a:dk2>
         <a:srgbClr val="1F497D"/>
@@ -6425,8 +6145,8 @@
     <a:fontScheme name="Office">
       <a:majorFont>
         <a:latin typeface="Calibri"/>
-        <a:ea typeface="Arial"/>
-        <a:cs typeface="Arial"/>
+        <a:ea typeface="Arial" pitchFamily="34" charset="0"/>
+        <a:cs typeface="Arial" pitchFamily="34" charset="0"/>
         <a:font script="Jpan" typeface="ＭＳ%20Ｐゴシック"/>
         <a:font script="Hang" typeface="맑은%20고딕"/>
         <a:font script="Hans" typeface="宋体"/>
@@ -6460,8 +6180,8 @@
       </a:majorFont>
       <a:minorFont>
         <a:latin typeface="Calibri"/>
-        <a:ea typeface="Arial"/>
-        <a:cs typeface="Arial"/>
+        <a:ea typeface="Arial" pitchFamily="34" charset="0"/>
+        <a:cs typeface="Arial" pitchFamily="34" charset="0"/>
         <a:font script="Jpan" typeface="ＭＳ%20Ｐゴシック"/>
         <a:font script="Hang" typeface="맑은%20고딕"/>
         <a:font script="Hans" typeface="宋体"/>
@@ -6502,291 +6222,6 @@
         <a:gradFill rotWithShape="1">
           <a:gsLst>
             <a:gs pos="0">
-              <a:prstClr val="burlyWood">
-                <a:tint val="50000"/>
-                <a:satMod val="300000"/>
-              </a:prstClr>
-            </a:gs>
-            <a:gs pos="35000">
-              <a:prstClr val="burlyWood">
-                <a:tint val="37000"/>
-                <a:satMod val="300000"/>
-              </a:prstClr>
-            </a:gs>
-            <a:gs pos="100000">
-              <a:prstClr val="burlyWood">
-                <a:tint val="15000"/>
-                <a:satMod val="350000"/>
-              </a:prstClr>
-            </a:gs>
-          </a:gsLst>
-          <a:lin ang="16200000" scaled="1"/>
-          <a:tileRect/>
-        </a:gradFill>
-        <a:gradFill rotWithShape="1">
-          <a:gsLst>
-            <a:gs pos="0">
-              <a:prstClr val="burlyWood">
-                <a:shade val="51000"/>
-                <a:satMod val="130000"/>
-              </a:prstClr>
-            </a:gs>
-            <a:gs pos="80000">
-              <a:prstClr val="burlyWood">
-                <a:shade val="93000"/>
-                <a:satMod val="130000"/>
-              </a:prstClr>
-            </a:gs>
-            <a:gs pos="100000">
-              <a:prstClr val="burlyWood">
-                <a:shade val="94000"/>
-                <a:satMod val="135000"/>
-              </a:prstClr>
-            </a:gs>
-          </a:gsLst>
-          <a:lin ang="16200000" scaled="0"/>
-          <a:tileRect/>
-        </a:gradFill>
-      </a:fillStyleLst>
-      <a:lnStyleLst>
-        <a:ln w="9525" cap="flat" cmpd="sng" algn="ctr">
-          <a:solidFill>
-            <a:schemeClr val="phClr">
-              <a:shade val="95000"/>
-              <a:satMod val="105000"/>
-            </a:schemeClr>
-          </a:solidFill>
-          <a:prstDash val="solid"/>
-        </a:ln>
-        <a:ln w="25400" cap="flat" cmpd="sng" algn="ctr">
-          <a:solidFill>
-            <a:schemeClr val="phClr"/>
-          </a:solidFill>
-          <a:prstDash val="solid"/>
-        </a:ln>
-        <a:ln w="38100" cap="flat" cmpd="sng" algn="ctr">
-          <a:solidFill>
-            <a:schemeClr val="phClr"/>
-          </a:solidFill>
-          <a:prstDash val="solid"/>
-        </a:ln>
-      </a:lnStyleLst>
-      <a:effectStyleLst>
-        <a:effectStyle>
-          <a:effectLst>
-            <a:outerShdw blurRad="40000" dist="20000" dir="5400000" rotWithShape="0">
-              <a:srgbClr val="000000">
-                <a:alpha val="38000"/>
-              </a:srgbClr>
-            </a:outerShdw>
-          </a:effectLst>
-        </a:effectStyle>
-        <a:effectStyle>
-          <a:effectLst>
-            <a:outerShdw blurRad="40000" dist="23000" dir="5400000" rotWithShape="0">
-              <a:srgbClr val="000000">
-                <a:alpha val="35000"/>
-              </a:srgbClr>
-            </a:outerShdw>
-          </a:effectLst>
-        </a:effectStyle>
-        <a:effectStyle>
-          <a:effectLst>
-            <a:outerShdw blurRad="40000" dist="23000" dir="5400000" rotWithShape="0">
-              <a:srgbClr val="000000">
-                <a:alpha val="35000"/>
-              </a:srgbClr>
-            </a:outerShdw>
-          </a:effectLst>
-          <a:scene3d>
-            <a:camera prst="orthographicFront">
-              <a:rot lat="0" lon="0" rev="0"/>
-            </a:camera>
-            <a:lightRig rig="threePt" dir="t">
-              <a:rot lat="0" lon="0" rev="1200000"/>
-            </a:lightRig>
-          </a:scene3d>
-          <a:sp3d>
-            <a:bevelT w="63500" h="25400"/>
-          </a:sp3d>
-        </a:effectStyle>
-      </a:effectStyleLst>
-      <a:bgFillStyleLst>
-        <a:solidFill>
-          <a:schemeClr val="phClr"/>
-        </a:solidFill>
-        <a:gradFill rotWithShape="1">
-          <a:gsLst>
-            <a:gs pos="0">
-              <a:prstClr val="burlyWood">
-                <a:tint val="40000"/>
-                <a:satMod val="350000"/>
-              </a:prstClr>
-            </a:gs>
-            <a:gs pos="40000">
-              <a:prstClr val="burlyWood">
-                <a:tint val="45000"/>
-                <a:shade val="99000"/>
-                <a:satMod val="350000"/>
-              </a:prstClr>
-            </a:gs>
-            <a:gs pos="100000">
-              <a:prstClr val="burlyWood">
-                <a:shade val="20000"/>
-                <a:satMod val="255000"/>
-              </a:prstClr>
-            </a:gs>
-          </a:gsLst>
-          <a:path path="circle">
-            <a:fillToRect l="50000" t="-80000" r="50000" b="180000"/>
-          </a:path>
-          <a:tileRect/>
-        </a:gradFill>
-        <a:gradFill rotWithShape="1">
-          <a:gsLst>
-            <a:gs pos="0">
-              <a:prstClr val="burlyWood">
-                <a:tint val="80000"/>
-                <a:satMod val="300000"/>
-              </a:prstClr>
-            </a:gs>
-            <a:gs pos="100000">
-              <a:prstClr val="burlyWood">
-                <a:shade val="30000"/>
-                <a:satMod val="200000"/>
-              </a:prstClr>
-            </a:gs>
-          </a:gsLst>
-          <a:path path="circle">
-            <a:fillToRect l="50000" t="50000" r="50000" b="50000"/>
-          </a:path>
-          <a:tileRect/>
-        </a:gradFill>
-      </a:bgFillStyleLst>
-    </a:fmtScheme>
-  </a:themeElements>
-</a:theme>
-</file>
-
-<file path=ppt/theme/theme2.xml><?xml version="1.0" encoding="utf-8"?>
-<a:theme xmlns:r="http://schemas.openxmlformats.org/officeDocument/2006/relationships" xmlns:a="http://schemas.openxmlformats.org/drawingml/2006/main" name="Office Theme">
-  <a:themeElements>
-    <a:clrScheme name="Office">
-      <a:dk1>
-        <a:sysClr val="windowText" lastClr="000000"/>
-      </a:dk1>
-      <a:lt1>
-        <a:sysClr val="window" lastClr="FFFDFF"/>
-      </a:lt1>
-      <a:dk2>
-        <a:srgbClr val="1F497D"/>
-      </a:dk2>
-      <a:lt2>
-        <a:srgbClr val="EEECE1"/>
-      </a:lt2>
-      <a:accent1>
-        <a:srgbClr val="4F81BD"/>
-      </a:accent1>
-      <a:accent2>
-        <a:srgbClr val="C0504D"/>
-      </a:accent2>
-      <a:accent3>
-        <a:srgbClr val="9BBB59"/>
-      </a:accent3>
-      <a:accent4>
-        <a:srgbClr val="8064A2"/>
-      </a:accent4>
-      <a:accent5>
-        <a:srgbClr val="4BACC6"/>
-      </a:accent5>
-      <a:accent6>
-        <a:srgbClr val="F79646"/>
-      </a:accent6>
-      <a:hlink>
-        <a:srgbClr val="0000FF"/>
-      </a:hlink>
-      <a:folHlink>
-        <a:srgbClr val="800080"/>
-      </a:folHlink>
-    </a:clrScheme>
-    <a:fontScheme name="Office">
-      <a:majorFont>
-        <a:latin typeface="Calibri"/>
-        <a:ea typeface="Arial"/>
-        <a:cs typeface="Arial"/>
-        <a:font script="Jpan" typeface="ＭＳ Ｐゴシック"/>
-        <a:font script="Hang" typeface="맑은 고딕"/>
-        <a:font script="Hans" typeface="宋体"/>
-        <a:font script="Hant" typeface="新細明體"/>
-        <a:font script="Arab" typeface="Times New Roman"/>
-        <a:font script="Hebr" typeface="Times New Roman"/>
-        <a:font script="Thai" typeface="Angsana New"/>
-        <a:font script="Ethi" typeface="Nyala"/>
-        <a:font script="Beng" typeface="Vrinda"/>
-        <a:font script="Gujr" typeface="Shruti"/>
-        <a:font script="Khmr" typeface="MoolBoran"/>
-        <a:font script="Knda" typeface="Tunga"/>
-        <a:font script="Guru" typeface="Raavi"/>
-        <a:font script="Cans" typeface="Euphemia"/>
-        <a:font script="Cher" typeface="Plantagenet Cherokee"/>
-        <a:font script="Yiii" typeface="Microsoft Yi Baiti"/>
-        <a:font script="Tibt" typeface="Microsoft Himalaya"/>
-        <a:font script="Thaa" typeface="MV Boli"/>
-        <a:font script="Deva" typeface="Mangal"/>
-        <a:font script="Telu" typeface="Gautami"/>
-        <a:font script="Taml" typeface="Latha"/>
-        <a:font script="Syrc" typeface="Estrangelo Edessa"/>
-        <a:font script="Orya" typeface="Kalinga"/>
-        <a:font script="Mlym" typeface="Kartika"/>
-        <a:font script="Laoo" typeface="DokChampa"/>
-        <a:font script="Sinh" typeface="Iskoola Pota"/>
-        <a:font script="Mong" typeface="Mongolian Baiti"/>
-        <a:font script="Viet" typeface="Times New Roman"/>
-        <a:font script="Uigh" typeface="Microsoft Uighur"/>
-      </a:majorFont>
-      <a:minorFont>
-        <a:latin typeface="Calibri"/>
-        <a:ea typeface="Arial"/>
-        <a:cs typeface="Arial"/>
-        <a:font script="Jpan" typeface="ＭＳ Ｐゴシック"/>
-        <a:font script="Hang" typeface="맑은 고딕"/>
-        <a:font script="Hans" typeface="宋体"/>
-        <a:font script="Hant" typeface="新細明體"/>
-        <a:font script="Arab" typeface="Arial"/>
-        <a:font script="Hebr" typeface="Arial"/>
-        <a:font script="Thai" typeface="Cordia New"/>
-        <a:font script="Ethi" typeface="Nyala"/>
-        <a:font script="Beng" typeface="Vrinda"/>
-        <a:font script="Gujr" typeface="Shruti"/>
-        <a:font script="Khmr" typeface="DaunPenh"/>
-        <a:font script="Knda" typeface="Tunga"/>
-        <a:font script="Guru" typeface="Raavi"/>
-        <a:font script="Cans" typeface="Euphemia"/>
-        <a:font script="Cher" typeface="Plantagenet Cherokee"/>
-        <a:font script="Yiii" typeface="Microsoft Yi Baiti"/>
-        <a:font script="Tibt" typeface="Microsoft Himalaya"/>
-        <a:font script="Thaa" typeface="MV Boli"/>
-        <a:font script="Deva" typeface="Mangal"/>
-        <a:font script="Telu" typeface="Gautami"/>
-        <a:font script="Taml" typeface="Latha"/>
-        <a:font script="Syrc" typeface="Estrangelo Edessa"/>
-        <a:font script="Orya" typeface="Kalinga"/>
-        <a:font script="Mlym" typeface="Kartika"/>
-        <a:font script="Laoo" typeface="DokChampa"/>
-        <a:font script="Sinh" typeface="Iskoola Pota"/>
-        <a:font script="Mong" typeface="Mongolian Baiti"/>
-        <a:font script="Viet" typeface="Arial"/>
-        <a:font script="Uigh" typeface="Microsoft Uighur"/>
-      </a:minorFont>
-    </a:fontScheme>
-    <a:fmtScheme name="Office">
-      <a:fillStyleLst>
-        <a:solidFill>
-          <a:schemeClr val="phClr"/>
-        </a:solidFill>
-        <a:gradFill rotWithShape="1">
-          <a:gsLst>
-            <a:gs pos="0">
               <a:schemeClr val="phClr">
                 <a:tint val="50000"/>
                 <a:satMod val="300000"/>
@@ -6806,7 +6241,6 @@
             </a:gs>
           </a:gsLst>
           <a:lin ang="16200000" scaled="1"/>
-          <a:tileRect/>
         </a:gradFill>
         <a:gradFill rotWithShape="1">
           <a:gsLst>
@@ -6830,7 +6264,6 @@
             </a:gs>
           </a:gsLst>
           <a:lin ang="16200000" scaled="0"/>
-          <a:tileRect/>
         </a:gradFill>
       </a:fillStyleLst>
       <a:lnStyleLst>
@@ -6925,7 +6358,6 @@
           <a:path path="circle">
             <a:fillToRect l="50000" t="-80000" r="50000" b="180000"/>
           </a:path>
-          <a:tileRect/>
         </a:gradFill>
         <a:gradFill rotWithShape="1">
           <a:gsLst>
@@ -6945,7 +6377,287 @@
           <a:path path="circle">
             <a:fillToRect l="50000" t="50000" r="50000" b="50000"/>
           </a:path>
-          <a:tileRect/>
+        </a:gradFill>
+      </a:bgFillStyleLst>
+    </a:fmtScheme>
+  </a:themeElements>
+</a:theme>
+</file>
+
+<file path=ppt/theme/theme2.xml><?xml version="1.0" encoding="utf-8"?>
+<a:theme xmlns:r="http://schemas.openxmlformats.org/officeDocument/2006/relationships" xmlns:a="http://schemas.openxmlformats.org/drawingml/2006/main" name="Office Theme">
+  <a:themeElements>
+    <a:clrScheme name="Office">
+      <a:dk1>
+        <a:sysClr val="windowText" lastClr="000000"/>
+      </a:dk1>
+      <a:lt1>
+        <a:sysClr val="window" lastClr="FFFFFF"/>
+      </a:lt1>
+      <a:dk2>
+        <a:srgbClr val="1F497D"/>
+      </a:dk2>
+      <a:lt2>
+        <a:srgbClr val="EEECE1"/>
+      </a:lt2>
+      <a:accent1>
+        <a:srgbClr val="4F81BD"/>
+      </a:accent1>
+      <a:accent2>
+        <a:srgbClr val="C0504D"/>
+      </a:accent2>
+      <a:accent3>
+        <a:srgbClr val="9BBB59"/>
+      </a:accent3>
+      <a:accent4>
+        <a:srgbClr val="8064A2"/>
+      </a:accent4>
+      <a:accent5>
+        <a:srgbClr val="4BACC6"/>
+      </a:accent5>
+      <a:accent6>
+        <a:srgbClr val="F79646"/>
+      </a:accent6>
+      <a:hlink>
+        <a:srgbClr val="0000FF"/>
+      </a:hlink>
+      <a:folHlink>
+        <a:srgbClr val="800080"/>
+      </a:folHlink>
+    </a:clrScheme>
+    <a:fontScheme name="Office">
+      <a:majorFont>
+        <a:latin typeface="Calibri"/>
+        <a:ea typeface="Arial" pitchFamily="34" charset="0"/>
+        <a:cs typeface="Arial" pitchFamily="34" charset="0"/>
+        <a:font script="Jpan" typeface="ＭＳ Ｐゴシック"/>
+        <a:font script="Hang" typeface="맑은 고딕"/>
+        <a:font script="Hans" typeface="宋体"/>
+        <a:font script="Hant" typeface="新細明體"/>
+        <a:font script="Arab" typeface="Times New Roman"/>
+        <a:font script="Hebr" typeface="Times New Roman"/>
+        <a:font script="Thai" typeface="Angsana New"/>
+        <a:font script="Ethi" typeface="Nyala"/>
+        <a:font script="Beng" typeface="Vrinda"/>
+        <a:font script="Gujr" typeface="Shruti"/>
+        <a:font script="Khmr" typeface="MoolBoran"/>
+        <a:font script="Knda" typeface="Tunga"/>
+        <a:font script="Guru" typeface="Raavi"/>
+        <a:font script="Cans" typeface="Euphemia"/>
+        <a:font script="Cher" typeface="Plantagenet Cherokee"/>
+        <a:font script="Yiii" typeface="Microsoft Yi Baiti"/>
+        <a:font script="Tibt" typeface="Microsoft Himalaya"/>
+        <a:font script="Thaa" typeface="MV Boli"/>
+        <a:font script="Deva" typeface="Mangal"/>
+        <a:font script="Telu" typeface="Gautami"/>
+        <a:font script="Taml" typeface="Latha"/>
+        <a:font script="Syrc" typeface="Estrangelo Edessa"/>
+        <a:font script="Orya" typeface="Kalinga"/>
+        <a:font script="Mlym" typeface="Kartika"/>
+        <a:font script="Laoo" typeface="DokChampa"/>
+        <a:font script="Sinh" typeface="Iskoola Pota"/>
+        <a:font script="Mong" typeface="Mongolian Baiti"/>
+        <a:font script="Viet" typeface="Times New Roman"/>
+        <a:font script="Uigh" typeface="Microsoft Uighur"/>
+      </a:majorFont>
+      <a:minorFont>
+        <a:latin typeface="Calibri"/>
+        <a:ea typeface="Arial" pitchFamily="34" charset="0"/>
+        <a:cs typeface="Arial" pitchFamily="34" charset="0"/>
+        <a:font script="Jpan" typeface="ＭＳ Ｐゴシック"/>
+        <a:font script="Hang" typeface="맑은 고딕"/>
+        <a:font script="Hans" typeface="宋体"/>
+        <a:font script="Hant" typeface="新細明體"/>
+        <a:font script="Arab" typeface="Arial"/>
+        <a:font script="Hebr" typeface="Arial"/>
+        <a:font script="Thai" typeface="Cordia New"/>
+        <a:font script="Ethi" typeface="Nyala"/>
+        <a:font script="Beng" typeface="Vrinda"/>
+        <a:font script="Gujr" typeface="Shruti"/>
+        <a:font script="Khmr" typeface="DaunPenh"/>
+        <a:font script="Knda" typeface="Tunga"/>
+        <a:font script="Guru" typeface="Raavi"/>
+        <a:font script="Cans" typeface="Euphemia"/>
+        <a:font script="Cher" typeface="Plantagenet Cherokee"/>
+        <a:font script="Yiii" typeface="Microsoft Yi Baiti"/>
+        <a:font script="Tibt" typeface="Microsoft Himalaya"/>
+        <a:font script="Thaa" typeface="MV Boli"/>
+        <a:font script="Deva" typeface="Mangal"/>
+        <a:font script="Telu" typeface="Gautami"/>
+        <a:font script="Taml" typeface="Latha"/>
+        <a:font script="Syrc" typeface="Estrangelo Edessa"/>
+        <a:font script="Orya" typeface="Kalinga"/>
+        <a:font script="Mlym" typeface="Kartika"/>
+        <a:font script="Laoo" typeface="DokChampa"/>
+        <a:font script="Sinh" typeface="Iskoola Pota"/>
+        <a:font script="Mong" typeface="Mongolian Baiti"/>
+        <a:font script="Viet" typeface="Arial"/>
+        <a:font script="Uigh" typeface="Microsoft Uighur"/>
+      </a:minorFont>
+    </a:fontScheme>
+    <a:fmtScheme name="Office">
+      <a:fillStyleLst>
+        <a:solidFill>
+          <a:schemeClr val="phClr"/>
+        </a:solidFill>
+        <a:gradFill rotWithShape="1">
+          <a:gsLst>
+            <a:gs pos="0">
+              <a:schemeClr val="phClr">
+                <a:tint val="50000"/>
+                <a:satMod val="300000"/>
+              </a:schemeClr>
+            </a:gs>
+            <a:gs pos="35000">
+              <a:schemeClr val="phClr">
+                <a:tint val="37000"/>
+                <a:satMod val="300000"/>
+              </a:schemeClr>
+            </a:gs>
+            <a:gs pos="100000">
+              <a:schemeClr val="phClr">
+                <a:tint val="15000"/>
+                <a:satMod val="350000"/>
+              </a:schemeClr>
+            </a:gs>
+          </a:gsLst>
+          <a:lin ang="16200000" scaled="1"/>
+        </a:gradFill>
+        <a:gradFill rotWithShape="1">
+          <a:gsLst>
+            <a:gs pos="0">
+              <a:schemeClr val="phClr">
+                <a:shade val="51000"/>
+                <a:satMod val="130000"/>
+              </a:schemeClr>
+            </a:gs>
+            <a:gs pos="80000">
+              <a:schemeClr val="phClr">
+                <a:shade val="93000"/>
+                <a:satMod val="130000"/>
+              </a:schemeClr>
+            </a:gs>
+            <a:gs pos="100000">
+              <a:schemeClr val="phClr">
+                <a:shade val="94000"/>
+                <a:satMod val="135000"/>
+              </a:schemeClr>
+            </a:gs>
+          </a:gsLst>
+          <a:lin ang="16200000" scaled="0"/>
+        </a:gradFill>
+      </a:fillStyleLst>
+      <a:lnStyleLst>
+        <a:ln w="9525" cap="flat" cmpd="sng" algn="ctr">
+          <a:solidFill>
+            <a:schemeClr val="phClr">
+              <a:shade val="95000"/>
+              <a:satMod val="105000"/>
+            </a:schemeClr>
+          </a:solidFill>
+          <a:prstDash val="solid"/>
+        </a:ln>
+        <a:ln w="25400" cap="flat" cmpd="sng" algn="ctr">
+          <a:solidFill>
+            <a:schemeClr val="phClr"/>
+          </a:solidFill>
+          <a:prstDash val="solid"/>
+        </a:ln>
+        <a:ln w="38100" cap="flat" cmpd="sng" algn="ctr">
+          <a:solidFill>
+            <a:schemeClr val="phClr"/>
+          </a:solidFill>
+          <a:prstDash val="solid"/>
+        </a:ln>
+      </a:lnStyleLst>
+      <a:effectStyleLst>
+        <a:effectStyle>
+          <a:effectLst>
+            <a:outerShdw blurRad="40000" dist="20000" dir="5400000" rotWithShape="0">
+              <a:srgbClr val="000000">
+                <a:alpha val="38000"/>
+              </a:srgbClr>
+            </a:outerShdw>
+          </a:effectLst>
+        </a:effectStyle>
+        <a:effectStyle>
+          <a:effectLst>
+            <a:outerShdw blurRad="40000" dist="23000" dir="5400000" rotWithShape="0">
+              <a:srgbClr val="000000">
+                <a:alpha val="35000"/>
+              </a:srgbClr>
+            </a:outerShdw>
+          </a:effectLst>
+        </a:effectStyle>
+        <a:effectStyle>
+          <a:effectLst>
+            <a:outerShdw blurRad="40000" dist="23000" dir="5400000" rotWithShape="0">
+              <a:srgbClr val="000000">
+                <a:alpha val="35000"/>
+              </a:srgbClr>
+            </a:outerShdw>
+          </a:effectLst>
+          <a:scene3d>
+            <a:camera prst="orthographicFront">
+              <a:rot lat="0" lon="0" rev="0"/>
+            </a:camera>
+            <a:lightRig rig="threePt" dir="t">
+              <a:rot lat="0" lon="0" rev="1200000"/>
+            </a:lightRig>
+          </a:scene3d>
+          <a:sp3d>
+            <a:bevelT w="63500" h="25400"/>
+          </a:sp3d>
+        </a:effectStyle>
+      </a:effectStyleLst>
+      <a:bgFillStyleLst>
+        <a:solidFill>
+          <a:schemeClr val="phClr"/>
+        </a:solidFill>
+        <a:gradFill rotWithShape="1">
+          <a:gsLst>
+            <a:gs pos="0">
+              <a:schemeClr val="phClr">
+                <a:tint val="40000"/>
+                <a:satMod val="350000"/>
+              </a:schemeClr>
+            </a:gs>
+            <a:gs pos="40000">
+              <a:schemeClr val="phClr">
+                <a:tint val="45000"/>
+                <a:shade val="99000"/>
+                <a:satMod val="350000"/>
+              </a:schemeClr>
+            </a:gs>
+            <a:gs pos="100000">
+              <a:schemeClr val="phClr">
+                <a:shade val="20000"/>
+                <a:satMod val="255000"/>
+              </a:schemeClr>
+            </a:gs>
+          </a:gsLst>
+          <a:path path="circle">
+            <a:fillToRect l="50000" t="-80000" r="50000" b="180000"/>
+          </a:path>
+        </a:gradFill>
+        <a:gradFill rotWithShape="1">
+          <a:gsLst>
+            <a:gs pos="0">
+              <a:schemeClr val="phClr">
+                <a:tint val="80000"/>
+                <a:satMod val="300000"/>
+              </a:schemeClr>
+            </a:gs>
+            <a:gs pos="100000">
+              <a:schemeClr val="phClr">
+                <a:shade val="30000"/>
+                <a:satMod val="200000"/>
+              </a:schemeClr>
+            </a:gs>
+          </a:gsLst>
+          <a:path path="circle">
+            <a:fillToRect l="50000" t="50000" r="50000" b="50000"/>
+          </a:path>
         </a:gradFill>
       </a:bgFillStyleLst>
     </a:fmtScheme>
